--- a/z.ReadMeAssets/ASeGrapheneDetector.pptx
+++ b/z.ReadMeAssets/ASeGrapheneDetector.pptx
@@ -108,6 +108,11 @@
       </a:defRPr>
     </a:lvl9pPr>
   </p:defaultTextStyle>
+  <p:extLst>
+    <p:ext uri="{EFAFB233-063F-42B5-8137-9DF3F51BA10A}">
+      <p15:sldGuideLst xmlns:p15="http://schemas.microsoft.com/office/powerpoint/2012/main"/>
+    </p:ext>
+  </p:extLst>
 </p:presentation>
 </file>
 
@@ -4369,6 +4374,68 @@
           </a:p>
         </p:txBody>
       </p:sp>
+      <p:pic>
+        <p:nvPicPr>
+          <p:cNvPr id="2" name="Picture 1">
+            <a:extLst>
+              <a:ext uri="{FF2B5EF4-FFF2-40B4-BE49-F238E27FC236}">
+                <a16:creationId xmlns:a16="http://schemas.microsoft.com/office/drawing/2014/main" id="{47B5D677-8262-8B94-49E1-B7A0A7DE2878}"/>
+              </a:ext>
+            </a:extLst>
+          </p:cNvPr>
+          <p:cNvPicPr>
+            <a:picLocks noChangeAspect="1"/>
+          </p:cNvPicPr>
+          <p:nvPr/>
+        </p:nvPicPr>
+        <p:blipFill>
+          <a:blip r:embed="rId5">
+            <a:alphaModFix/>
+          </a:blip>
+          <a:srcRect l="7389"/>
+          <a:stretch/>
+        </p:blipFill>
+        <p:spPr>
+          <a:xfrm>
+            <a:off x="5764149" y="3672586"/>
+            <a:ext cx="3092805" cy="2887557"/>
+          </a:xfrm>
+          <a:prstGeom prst="rect">
+            <a:avLst/>
+          </a:prstGeom>
+        </p:spPr>
+      </p:pic>
+      <p:pic>
+        <p:nvPicPr>
+          <p:cNvPr id="3" name="Picture 2">
+            <a:extLst>
+              <a:ext uri="{FF2B5EF4-FFF2-40B4-BE49-F238E27FC236}">
+                <a16:creationId xmlns:a16="http://schemas.microsoft.com/office/drawing/2014/main" id="{90D462F4-4EC6-8C2B-B711-2BD0FA2C55E0}"/>
+              </a:ext>
+            </a:extLst>
+          </p:cNvPr>
+          <p:cNvPicPr>
+            <a:picLocks noChangeAspect="1"/>
+          </p:cNvPicPr>
+          <p:nvPr/>
+        </p:nvPicPr>
+        <p:blipFill>
+          <a:blip r:embed="rId4">
+            <a:alphaModFix/>
+          </a:blip>
+          <a:srcRect l="13263" r="10794"/>
+          <a:stretch/>
+        </p:blipFill>
+        <p:spPr>
+          <a:xfrm>
+            <a:off x="8856954" y="3497969"/>
+            <a:ext cx="2816746" cy="2964529"/>
+          </a:xfrm>
+          <a:prstGeom prst="rect">
+            <a:avLst/>
+          </a:prstGeom>
+        </p:spPr>
+      </p:pic>
     </p:spTree>
     <p:extLst>
       <p:ext uri="{BB962C8B-B14F-4D97-AF65-F5344CB8AC3E}">

--- a/z.ReadMeAssets/ASeGrapheneDetector.pptx
+++ b/z.ReadMeAssets/ASeGrapheneDetector.pptx
@@ -5448,6 +5448,41 @@
           </a:p>
         </p:txBody>
       </p:sp>
+      <p:pic>
+        <p:nvPicPr>
+          <p:cNvPr id="3" name="Picture 2">
+            <a:extLst>
+              <a:ext uri="{FF2B5EF4-FFF2-40B4-BE49-F238E27FC236}">
+                <a16:creationId xmlns:a16="http://schemas.microsoft.com/office/drawing/2014/main" id="{E790FCEF-998D-DC18-A6A9-0B6F49EC01D6}"/>
+              </a:ext>
+            </a:extLst>
+          </p:cNvPr>
+          <p:cNvPicPr>
+            <a:picLocks noChangeAspect="1"/>
+          </p:cNvPicPr>
+          <p:nvPr/>
+        </p:nvPicPr>
+        <p:blipFill>
+          <a:blip r:embed="rId8"/>
+          <a:stretch>
+            <a:fillRect/>
+          </a:stretch>
+        </p:blipFill>
+        <p:spPr>
+          <a:xfrm>
+            <a:off x="4153974" y="4287679"/>
+            <a:ext cx="2766500" cy="1785020"/>
+          </a:xfrm>
+          <a:prstGeom prst="rect">
+            <a:avLst/>
+          </a:prstGeom>
+          <a:ln w="3175">
+            <a:solidFill>
+              <a:schemeClr val="tx1"/>
+            </a:solidFill>
+          </a:ln>
+        </p:spPr>
+      </p:pic>
     </p:spTree>
     <p:extLst>
       <p:ext uri="{BB962C8B-B14F-4D97-AF65-F5344CB8AC3E}">

--- a/z.ReadMeAssets/ASeGrapheneDetector.pptx
+++ b/z.ReadMeAssets/ASeGrapheneDetector.pptx
@@ -5064,210 +5064,231 @@
           </a:p>
         </p:txBody>
       </p:sp>
-      <p:pic>
-        <p:nvPicPr>
-          <p:cNvPr id="15" name="Picture 14">
-            <a:extLst>
-              <a:ext uri="{FF2B5EF4-FFF2-40B4-BE49-F238E27FC236}">
-                <a16:creationId xmlns:a16="http://schemas.microsoft.com/office/drawing/2014/main" id="{EBE5693C-D3AB-7C81-2517-F73630029548}"/>
-              </a:ext>
-            </a:extLst>
-          </p:cNvPr>
-          <p:cNvPicPr>
-            <a:picLocks noChangeAspect="1"/>
-          </p:cNvPicPr>
+      <p:grpSp>
+        <p:nvGrpSpPr>
+          <p:cNvPr id="2" name="Group 1">
+            <a:extLst>
+              <a:ext uri="{FF2B5EF4-FFF2-40B4-BE49-F238E27FC236}">
+                <a16:creationId xmlns:a16="http://schemas.microsoft.com/office/drawing/2014/main" id="{4DF801D7-B205-525B-22A5-8302AEDF3866}"/>
+              </a:ext>
+            </a:extLst>
+          </p:cNvPr>
+          <p:cNvGrpSpPr/>
           <p:nvPr/>
-        </p:nvPicPr>
-        <p:blipFill>
-          <a:blip r:embed="rId2"/>
-          <a:srcRect l="7733" t="9905" r="4196" b="22577"/>
-          <a:stretch/>
-        </p:blipFill>
-        <p:spPr>
+        </p:nvGrpSpPr>
+        <p:grpSpPr>
           <a:xfrm>
-            <a:off x="603251" y="1809132"/>
-            <a:ext cx="3038474" cy="1225474"/>
+            <a:off x="684212" y="1868382"/>
+            <a:ext cx="3216274" cy="4659245"/>
+            <a:chOff x="508001" y="1809132"/>
+            <a:chExt cx="3216274" cy="4659245"/>
           </a:xfrm>
-          <a:prstGeom prst="rect">
-            <a:avLst/>
-          </a:prstGeom>
-        </p:spPr>
-      </p:pic>
-      <p:pic>
-        <p:nvPicPr>
-          <p:cNvPr id="17" name="Picture 16">
-            <a:extLst>
-              <a:ext uri="{FF2B5EF4-FFF2-40B4-BE49-F238E27FC236}">
-                <a16:creationId xmlns:a16="http://schemas.microsoft.com/office/drawing/2014/main" id="{68556984-02DF-4DEB-2BC6-D79BC4C45B66}"/>
-              </a:ext>
-            </a:extLst>
-          </p:cNvPr>
-          <p:cNvPicPr>
-            <a:picLocks noChangeAspect="1"/>
-          </p:cNvPicPr>
-          <p:nvPr/>
-        </p:nvPicPr>
-        <p:blipFill>
-          <a:blip r:embed="rId3"/>
-          <a:srcRect l="4948" t="11474" r="8438" b="11397"/>
-          <a:stretch/>
-        </p:blipFill>
-        <p:spPr>
-          <a:xfrm>
-            <a:off x="508001" y="3525582"/>
-            <a:ext cx="3216274" cy="1112866"/>
-          </a:xfrm>
-          <a:prstGeom prst="rect">
-            <a:avLst/>
-          </a:prstGeom>
-        </p:spPr>
-      </p:pic>
-      <p:pic>
-        <p:nvPicPr>
-          <p:cNvPr id="19" name="Picture 18">
-            <a:extLst>
-              <a:ext uri="{FF2B5EF4-FFF2-40B4-BE49-F238E27FC236}">
-                <a16:creationId xmlns:a16="http://schemas.microsoft.com/office/drawing/2014/main" id="{95684239-5B92-1CF3-E077-DB10FAD31C9D}"/>
-              </a:ext>
-            </a:extLst>
-          </p:cNvPr>
-          <p:cNvPicPr>
-            <a:picLocks noChangeAspect="1"/>
-          </p:cNvPicPr>
-          <p:nvPr/>
-        </p:nvPicPr>
-        <p:blipFill>
-          <a:blip r:embed="rId4"/>
-          <a:srcRect l="8725" t="8665" r="7576" b="8789"/>
-          <a:stretch/>
-        </p:blipFill>
-        <p:spPr>
-          <a:xfrm>
-            <a:off x="805048" y="5046635"/>
-            <a:ext cx="2634880" cy="1217648"/>
-          </a:xfrm>
-          <a:prstGeom prst="rect">
-            <a:avLst/>
-          </a:prstGeom>
-        </p:spPr>
-      </p:pic>
-      <p:sp>
-        <p:nvSpPr>
-          <p:cNvPr id="20" name="TextBox 19">
-            <a:extLst>
-              <a:ext uri="{FF2B5EF4-FFF2-40B4-BE49-F238E27FC236}">
-                <a16:creationId xmlns:a16="http://schemas.microsoft.com/office/drawing/2014/main" id="{33591D96-1B31-2089-0DB4-30E37E99FEAF}"/>
-              </a:ext>
-            </a:extLst>
-          </p:cNvPr>
-          <p:cNvSpPr txBox="1"/>
-          <p:nvPr/>
-        </p:nvSpPr>
-        <p:spPr>
-          <a:xfrm>
-            <a:off x="2244727" y="2967517"/>
-            <a:ext cx="1273174" cy="246221"/>
-          </a:xfrm>
-          <a:prstGeom prst="rect">
-            <a:avLst/>
-          </a:prstGeom>
-          <a:noFill/>
-          <a:ln>
+        </p:grpSpPr>
+        <p:pic>
+          <p:nvPicPr>
+            <p:cNvPr id="15" name="Picture 14">
+              <a:extLst>
+                <a:ext uri="{FF2B5EF4-FFF2-40B4-BE49-F238E27FC236}">
+                  <a16:creationId xmlns:a16="http://schemas.microsoft.com/office/drawing/2014/main" id="{EBE5693C-D3AB-7C81-2517-F73630029548}"/>
+                </a:ext>
+              </a:extLst>
+            </p:cNvPr>
+            <p:cNvPicPr>
+              <a:picLocks noChangeAspect="1"/>
+            </p:cNvPicPr>
+            <p:nvPr/>
+          </p:nvPicPr>
+          <p:blipFill>
+            <a:blip r:embed="rId2"/>
+            <a:srcRect l="7733" t="9905" r="4196" b="22577"/>
+            <a:stretch/>
+          </p:blipFill>
+          <p:spPr>
+            <a:xfrm>
+              <a:off x="603251" y="1809132"/>
+              <a:ext cx="3038474" cy="1225474"/>
+            </a:xfrm>
+            <a:prstGeom prst="rect">
+              <a:avLst/>
+            </a:prstGeom>
+          </p:spPr>
+        </p:pic>
+        <p:pic>
+          <p:nvPicPr>
+            <p:cNvPr id="17" name="Picture 16">
+              <a:extLst>
+                <a:ext uri="{FF2B5EF4-FFF2-40B4-BE49-F238E27FC236}">
+                  <a16:creationId xmlns:a16="http://schemas.microsoft.com/office/drawing/2014/main" id="{68556984-02DF-4DEB-2BC6-D79BC4C45B66}"/>
+                </a:ext>
+              </a:extLst>
+            </p:cNvPr>
+            <p:cNvPicPr>
+              <a:picLocks noChangeAspect="1"/>
+            </p:cNvPicPr>
+            <p:nvPr/>
+          </p:nvPicPr>
+          <p:blipFill>
+            <a:blip r:embed="rId3"/>
+            <a:srcRect l="4948" t="11474" r="8438" b="11397"/>
+            <a:stretch/>
+          </p:blipFill>
+          <p:spPr>
+            <a:xfrm>
+              <a:off x="508001" y="3525582"/>
+              <a:ext cx="3216274" cy="1112866"/>
+            </a:xfrm>
+            <a:prstGeom prst="rect">
+              <a:avLst/>
+            </a:prstGeom>
+          </p:spPr>
+        </p:pic>
+        <p:pic>
+          <p:nvPicPr>
+            <p:cNvPr id="19" name="Picture 18">
+              <a:extLst>
+                <a:ext uri="{FF2B5EF4-FFF2-40B4-BE49-F238E27FC236}">
+                  <a16:creationId xmlns:a16="http://schemas.microsoft.com/office/drawing/2014/main" id="{95684239-5B92-1CF3-E077-DB10FAD31C9D}"/>
+                </a:ext>
+              </a:extLst>
+            </p:cNvPr>
+            <p:cNvPicPr>
+              <a:picLocks noChangeAspect="1"/>
+            </p:cNvPicPr>
+            <p:nvPr/>
+          </p:nvPicPr>
+          <p:blipFill>
+            <a:blip r:embed="rId4"/>
+            <a:srcRect l="8725" t="8665" r="7576" b="8789"/>
+            <a:stretch/>
+          </p:blipFill>
+          <p:spPr>
+            <a:xfrm>
+              <a:off x="805048" y="5046635"/>
+              <a:ext cx="2634880" cy="1217648"/>
+            </a:xfrm>
+            <a:prstGeom prst="rect">
+              <a:avLst/>
+            </a:prstGeom>
+          </p:spPr>
+        </p:pic>
+        <p:sp>
+          <p:nvSpPr>
+            <p:cNvPr id="20" name="TextBox 19">
+              <a:extLst>
+                <a:ext uri="{FF2B5EF4-FFF2-40B4-BE49-F238E27FC236}">
+                  <a16:creationId xmlns:a16="http://schemas.microsoft.com/office/drawing/2014/main" id="{33591D96-1B31-2089-0DB4-30E37E99FEAF}"/>
+                </a:ext>
+              </a:extLst>
+            </p:cNvPr>
+            <p:cNvSpPr txBox="1"/>
+            <p:nvPr/>
+          </p:nvSpPr>
+          <p:spPr>
+            <a:xfrm>
+              <a:off x="2244727" y="2967517"/>
+              <a:ext cx="1273174" cy="246221"/>
+            </a:xfrm>
+            <a:prstGeom prst="rect">
+              <a:avLst/>
+            </a:prstGeom>
             <a:noFill/>
-          </a:ln>
-        </p:spPr>
-        <p:txBody>
-          <a:bodyPr wrap="square" rtlCol="0">
-            <a:spAutoFit/>
-          </a:bodyPr>
-          <a:lstStyle/>
-          <a:p>
-            <a:pPr algn="ctr"/>
-            <a:r>
-              <a:rPr lang="en-US" sz="1000" dirty="0"/>
-              <a:t>4x Shadow Masks </a:t>
-            </a:r>
-          </a:p>
-        </p:txBody>
-      </p:sp>
-      <p:sp>
-        <p:nvSpPr>
-          <p:cNvPr id="21" name="TextBox 20">
-            <a:extLst>
-              <a:ext uri="{FF2B5EF4-FFF2-40B4-BE49-F238E27FC236}">
-                <a16:creationId xmlns:a16="http://schemas.microsoft.com/office/drawing/2014/main" id="{24C63773-9D3A-3CFC-3A1D-041466056947}"/>
-              </a:ext>
-            </a:extLst>
-          </p:cNvPr>
-          <p:cNvSpPr txBox="1"/>
-          <p:nvPr/>
-        </p:nvSpPr>
-        <p:spPr>
-          <a:xfrm>
-            <a:off x="2244727" y="4558220"/>
-            <a:ext cx="1273174" cy="246221"/>
-          </a:xfrm>
-          <a:prstGeom prst="rect">
-            <a:avLst/>
-          </a:prstGeom>
-          <a:noFill/>
-          <a:ln>
+            <a:ln>
+              <a:noFill/>
+            </a:ln>
+          </p:spPr>
+          <p:txBody>
+            <a:bodyPr wrap="square" rtlCol="0">
+              <a:spAutoFit/>
+            </a:bodyPr>
+            <a:lstStyle/>
+            <a:p>
+              <a:pPr algn="ctr"/>
+              <a:r>
+                <a:rPr lang="en-US" sz="1000" dirty="0"/>
+                <a:t>4x Shadow Masks</a:t>
+              </a:r>
+            </a:p>
+          </p:txBody>
+        </p:sp>
+        <p:sp>
+          <p:nvSpPr>
+            <p:cNvPr id="21" name="TextBox 20">
+              <a:extLst>
+                <a:ext uri="{FF2B5EF4-FFF2-40B4-BE49-F238E27FC236}">
+                  <a16:creationId xmlns:a16="http://schemas.microsoft.com/office/drawing/2014/main" id="{24C63773-9D3A-3CFC-3A1D-041466056947}"/>
+                </a:ext>
+              </a:extLst>
+            </p:cNvPr>
+            <p:cNvSpPr txBox="1"/>
+            <p:nvPr/>
+          </p:nvSpPr>
+          <p:spPr>
+            <a:xfrm>
+              <a:off x="2244727" y="4558220"/>
+              <a:ext cx="1273174" cy="246221"/>
+            </a:xfrm>
+            <a:prstGeom prst="rect">
+              <a:avLst/>
+            </a:prstGeom>
             <a:noFill/>
-          </a:ln>
-        </p:spPr>
-        <p:txBody>
-          <a:bodyPr wrap="square" rtlCol="0">
-            <a:spAutoFit/>
-          </a:bodyPr>
-          <a:lstStyle/>
-          <a:p>
-            <a:pPr algn="ctr"/>
-            <a:r>
-              <a:rPr lang="en-US" sz="1000" dirty="0"/>
-              <a:t>Mask Aligner</a:t>
-            </a:r>
-          </a:p>
-        </p:txBody>
-      </p:sp>
-      <p:sp>
-        <p:nvSpPr>
-          <p:cNvPr id="22" name="TextBox 21">
-            <a:extLst>
-              <a:ext uri="{FF2B5EF4-FFF2-40B4-BE49-F238E27FC236}">
-                <a16:creationId xmlns:a16="http://schemas.microsoft.com/office/drawing/2014/main" id="{48343A6B-D0C0-27DA-2FD3-A4F544C52DEE}"/>
-              </a:ext>
-            </a:extLst>
-          </p:cNvPr>
-          <p:cNvSpPr txBox="1"/>
-          <p:nvPr/>
-        </p:nvSpPr>
-        <p:spPr>
-          <a:xfrm>
-            <a:off x="2244727" y="6222156"/>
-            <a:ext cx="1273174" cy="246221"/>
-          </a:xfrm>
-          <a:prstGeom prst="rect">
-            <a:avLst/>
-          </a:prstGeom>
-          <a:noFill/>
-          <a:ln>
+            <a:ln>
+              <a:noFill/>
+            </a:ln>
+          </p:spPr>
+          <p:txBody>
+            <a:bodyPr wrap="square" rtlCol="0">
+              <a:spAutoFit/>
+            </a:bodyPr>
+            <a:lstStyle/>
+            <a:p>
+              <a:pPr algn="ctr"/>
+              <a:r>
+                <a:rPr lang="en-US" sz="1000" dirty="0"/>
+                <a:t>Mask Aligner</a:t>
+              </a:r>
+            </a:p>
+          </p:txBody>
+        </p:sp>
+        <p:sp>
+          <p:nvSpPr>
+            <p:cNvPr id="22" name="TextBox 21">
+              <a:extLst>
+                <a:ext uri="{FF2B5EF4-FFF2-40B4-BE49-F238E27FC236}">
+                  <a16:creationId xmlns:a16="http://schemas.microsoft.com/office/drawing/2014/main" id="{48343A6B-D0C0-27DA-2FD3-A4F544C52DEE}"/>
+                </a:ext>
+              </a:extLst>
+            </p:cNvPr>
+            <p:cNvSpPr txBox="1"/>
+            <p:nvPr/>
+          </p:nvSpPr>
+          <p:spPr>
+            <a:xfrm>
+              <a:off x="2244727" y="6222156"/>
+              <a:ext cx="1273174" cy="246221"/>
+            </a:xfrm>
+            <a:prstGeom prst="rect">
+              <a:avLst/>
+            </a:prstGeom>
             <a:noFill/>
-          </a:ln>
-        </p:spPr>
-        <p:txBody>
-          <a:bodyPr wrap="square" rtlCol="0">
-            <a:spAutoFit/>
-          </a:bodyPr>
-          <a:lstStyle/>
-          <a:p>
-            <a:pPr algn="ctr"/>
-            <a:r>
-              <a:rPr lang="en-US" sz="1000" dirty="0"/>
-              <a:t>Wafer Model</a:t>
-            </a:r>
-          </a:p>
-        </p:txBody>
-      </p:sp>
+            <a:ln>
+              <a:noFill/>
+            </a:ln>
+          </p:spPr>
+          <p:txBody>
+            <a:bodyPr wrap="square" rtlCol="0">
+              <a:spAutoFit/>
+            </a:bodyPr>
+            <a:lstStyle/>
+            <a:p>
+              <a:pPr algn="ctr"/>
+              <a:r>
+                <a:rPr lang="en-US" sz="1000" dirty="0"/>
+                <a:t>Wafer Model</a:t>
+              </a:r>
+            </a:p>
+          </p:txBody>
+        </p:sp>
+      </p:grpSp>
       <p:grpSp>
         <p:nvGrpSpPr>
           <p:cNvPr id="23" name="Group 22">
@@ -5470,8 +5491,8 @@
         </p:blipFill>
         <p:spPr>
           <a:xfrm>
-            <a:off x="4153974" y="4287679"/>
-            <a:ext cx="2766500" cy="1785020"/>
+            <a:off x="4223156" y="4141265"/>
+            <a:ext cx="3745688" cy="2416818"/>
           </a:xfrm>
           <a:prstGeom prst="rect">
             <a:avLst/>

--- a/z.ReadMeAssets/ASeGrapheneDetector.pptx
+++ b/z.ReadMeAssets/ASeGrapheneDetector.pptx
@@ -263,7 +263,7 @@
           <a:p>
             <a:fld id="{0FDF81D3-AF8D-4441-8312-2AC07D86F629}" type="datetimeFigureOut">
               <a:rPr lang="en-US" smtClean="0"/>
-              <a:t>10/3/2024</a:t>
+              <a:t>10/4/2024</a:t>
             </a:fld>
             <a:endParaRPr lang="en-US"/>
           </a:p>
@@ -461,7 +461,7 @@
           <a:p>
             <a:fld id="{0FDF81D3-AF8D-4441-8312-2AC07D86F629}" type="datetimeFigureOut">
               <a:rPr lang="en-US" smtClean="0"/>
-              <a:t>10/3/2024</a:t>
+              <a:t>10/4/2024</a:t>
             </a:fld>
             <a:endParaRPr lang="en-US"/>
           </a:p>
@@ -669,7 +669,7 @@
           <a:p>
             <a:fld id="{0FDF81D3-AF8D-4441-8312-2AC07D86F629}" type="datetimeFigureOut">
               <a:rPr lang="en-US" smtClean="0"/>
-              <a:t>10/3/2024</a:t>
+              <a:t>10/4/2024</a:t>
             </a:fld>
             <a:endParaRPr lang="en-US"/>
           </a:p>
@@ -867,7 +867,7 @@
           <a:p>
             <a:fld id="{0FDF81D3-AF8D-4441-8312-2AC07D86F629}" type="datetimeFigureOut">
               <a:rPr lang="en-US" smtClean="0"/>
-              <a:t>10/3/2024</a:t>
+              <a:t>10/4/2024</a:t>
             </a:fld>
             <a:endParaRPr lang="en-US"/>
           </a:p>
@@ -1142,7 +1142,7 @@
           <a:p>
             <a:fld id="{0FDF81D3-AF8D-4441-8312-2AC07D86F629}" type="datetimeFigureOut">
               <a:rPr lang="en-US" smtClean="0"/>
-              <a:t>10/3/2024</a:t>
+              <a:t>10/4/2024</a:t>
             </a:fld>
             <a:endParaRPr lang="en-US"/>
           </a:p>
@@ -1407,7 +1407,7 @@
           <a:p>
             <a:fld id="{0FDF81D3-AF8D-4441-8312-2AC07D86F629}" type="datetimeFigureOut">
               <a:rPr lang="en-US" smtClean="0"/>
-              <a:t>10/3/2024</a:t>
+              <a:t>10/4/2024</a:t>
             </a:fld>
             <a:endParaRPr lang="en-US"/>
           </a:p>
@@ -1819,7 +1819,7 @@
           <a:p>
             <a:fld id="{0FDF81D3-AF8D-4441-8312-2AC07D86F629}" type="datetimeFigureOut">
               <a:rPr lang="en-US" smtClean="0"/>
-              <a:t>10/3/2024</a:t>
+              <a:t>10/4/2024</a:t>
             </a:fld>
             <a:endParaRPr lang="en-US"/>
           </a:p>
@@ -1960,7 +1960,7 @@
           <a:p>
             <a:fld id="{0FDF81D3-AF8D-4441-8312-2AC07D86F629}" type="datetimeFigureOut">
               <a:rPr lang="en-US" smtClean="0"/>
-              <a:t>10/3/2024</a:t>
+              <a:t>10/4/2024</a:t>
             </a:fld>
             <a:endParaRPr lang="en-US"/>
           </a:p>
@@ -2073,7 +2073,7 @@
           <a:p>
             <a:fld id="{0FDF81D3-AF8D-4441-8312-2AC07D86F629}" type="datetimeFigureOut">
               <a:rPr lang="en-US" smtClean="0"/>
-              <a:t>10/3/2024</a:t>
+              <a:t>10/4/2024</a:t>
             </a:fld>
             <a:endParaRPr lang="en-US"/>
           </a:p>
@@ -2384,7 +2384,7 @@
           <a:p>
             <a:fld id="{0FDF81D3-AF8D-4441-8312-2AC07D86F629}" type="datetimeFigureOut">
               <a:rPr lang="en-US" smtClean="0"/>
-              <a:t>10/3/2024</a:t>
+              <a:t>10/4/2024</a:t>
             </a:fld>
             <a:endParaRPr lang="en-US"/>
           </a:p>
@@ -2672,7 +2672,7 @@
           <a:p>
             <a:fld id="{0FDF81D3-AF8D-4441-8312-2AC07D86F629}" type="datetimeFigureOut">
               <a:rPr lang="en-US" smtClean="0"/>
-              <a:t>10/3/2024</a:t>
+              <a:t>10/4/2024</a:t>
             </a:fld>
             <a:endParaRPr lang="en-US"/>
           </a:p>
@@ -2913,7 +2913,7 @@
           <a:p>
             <a:fld id="{0FDF81D3-AF8D-4441-8312-2AC07D86F629}" type="datetimeFigureOut">
               <a:rPr lang="en-US" smtClean="0"/>
-              <a:t>10/3/2024</a:t>
+              <a:t>10/4/2024</a:t>
             </a:fld>
             <a:endParaRPr lang="en-US"/>
           </a:p>
@@ -4436,6 +4436,84 @@
           </a:prstGeom>
         </p:spPr>
       </p:pic>
+      <p:sp>
+        <p:nvSpPr>
+          <p:cNvPr id="4" name="TextBox 3">
+            <a:extLst>
+              <a:ext uri="{FF2B5EF4-FFF2-40B4-BE49-F238E27FC236}">
+                <a16:creationId xmlns:a16="http://schemas.microsoft.com/office/drawing/2014/main" id="{8BCB22EB-608E-91E9-A6AC-6DD430CE863B}"/>
+              </a:ext>
+            </a:extLst>
+          </p:cNvPr>
+          <p:cNvSpPr txBox="1"/>
+          <p:nvPr/>
+        </p:nvSpPr>
+        <p:spPr>
+          <a:xfrm>
+            <a:off x="3016578" y="3039606"/>
+            <a:ext cx="1784118" cy="276999"/>
+          </a:xfrm>
+          <a:prstGeom prst="rect">
+            <a:avLst/>
+          </a:prstGeom>
+          <a:noFill/>
+          <a:ln>
+            <a:noFill/>
+          </a:ln>
+        </p:spPr>
+        <p:txBody>
+          <a:bodyPr wrap="square" rtlCol="0">
+            <a:spAutoFit/>
+          </a:bodyPr>
+          <a:lstStyle/>
+          <a:p>
+            <a:pPr algn="ctr"/>
+            <a:r>
+              <a:rPr lang="en-US" sz="1200" dirty="0"/>
+              <a:t>Base Conductor Mask</a:t>
+            </a:r>
+          </a:p>
+        </p:txBody>
+      </p:sp>
+      <p:sp>
+        <p:nvSpPr>
+          <p:cNvPr id="6" name="TextBox 5">
+            <a:extLst>
+              <a:ext uri="{FF2B5EF4-FFF2-40B4-BE49-F238E27FC236}">
+                <a16:creationId xmlns:a16="http://schemas.microsoft.com/office/drawing/2014/main" id="{7EBBBDAE-4089-1708-E258-12028505C11E}"/>
+              </a:ext>
+            </a:extLst>
+          </p:cNvPr>
+          <p:cNvSpPr txBox="1"/>
+          <p:nvPr/>
+        </p:nvSpPr>
+        <p:spPr>
+          <a:xfrm>
+            <a:off x="3011214" y="6438434"/>
+            <a:ext cx="1784118" cy="276999"/>
+          </a:xfrm>
+          <a:prstGeom prst="rect">
+            <a:avLst/>
+          </a:prstGeom>
+          <a:noFill/>
+          <a:ln>
+            <a:noFill/>
+          </a:ln>
+        </p:spPr>
+        <p:txBody>
+          <a:bodyPr wrap="square" rtlCol="0">
+            <a:spAutoFit/>
+          </a:bodyPr>
+          <a:lstStyle/>
+          <a:p>
+            <a:pPr algn="ctr"/>
+            <a:r>
+              <a:rPr lang="en-US" sz="1200" dirty="0"/>
+              <a:t>Test Material Mask</a:t>
+            </a:r>
+          </a:p>
+        </p:txBody>
+      </p:sp>
     </p:spTree>
     <p:extLst>
       <p:ext uri="{BB962C8B-B14F-4D97-AF65-F5344CB8AC3E}">
@@ -4823,6 +4901,84 @@
           </a:p>
         </p:txBody>
       </p:sp>
+      <p:sp>
+        <p:nvSpPr>
+          <p:cNvPr id="3" name="TextBox 2">
+            <a:extLst>
+              <a:ext uri="{FF2B5EF4-FFF2-40B4-BE49-F238E27FC236}">
+                <a16:creationId xmlns:a16="http://schemas.microsoft.com/office/drawing/2014/main" id="{F349917F-6406-A0C0-7240-36470E219176}"/>
+              </a:ext>
+            </a:extLst>
+          </p:cNvPr>
+          <p:cNvSpPr txBox="1"/>
+          <p:nvPr/>
+        </p:nvSpPr>
+        <p:spPr>
+          <a:xfrm>
+            <a:off x="3016578" y="3039606"/>
+            <a:ext cx="1784118" cy="276999"/>
+          </a:xfrm>
+          <a:prstGeom prst="rect">
+            <a:avLst/>
+          </a:prstGeom>
+          <a:noFill/>
+          <a:ln>
+            <a:noFill/>
+          </a:ln>
+        </p:spPr>
+        <p:txBody>
+          <a:bodyPr wrap="square" rtlCol="0">
+            <a:spAutoFit/>
+          </a:bodyPr>
+          <a:lstStyle/>
+          <a:p>
+            <a:pPr algn="ctr"/>
+            <a:r>
+              <a:rPr lang="en-US" sz="1200" dirty="0"/>
+              <a:t>Top Conductor 1 Mask</a:t>
+            </a:r>
+          </a:p>
+        </p:txBody>
+      </p:sp>
+      <p:sp>
+        <p:nvSpPr>
+          <p:cNvPr id="4" name="TextBox 3">
+            <a:extLst>
+              <a:ext uri="{FF2B5EF4-FFF2-40B4-BE49-F238E27FC236}">
+                <a16:creationId xmlns:a16="http://schemas.microsoft.com/office/drawing/2014/main" id="{5F0DCB1B-3008-2CEB-1C08-E49D6CB74C81}"/>
+              </a:ext>
+            </a:extLst>
+          </p:cNvPr>
+          <p:cNvSpPr txBox="1"/>
+          <p:nvPr/>
+        </p:nvSpPr>
+        <p:spPr>
+          <a:xfrm>
+            <a:off x="3011214" y="6438434"/>
+            <a:ext cx="1784118" cy="276999"/>
+          </a:xfrm>
+          <a:prstGeom prst="rect">
+            <a:avLst/>
+          </a:prstGeom>
+          <a:noFill/>
+          <a:ln>
+            <a:noFill/>
+          </a:ln>
+        </p:spPr>
+        <p:txBody>
+          <a:bodyPr wrap="square" rtlCol="0">
+            <a:spAutoFit/>
+          </a:bodyPr>
+          <a:lstStyle/>
+          <a:p>
+            <a:pPr algn="ctr"/>
+            <a:r>
+              <a:rPr lang="en-US" sz="1200" dirty="0"/>
+              <a:t>Top Conductor 2 Mask</a:t>
+            </a:r>
+          </a:p>
+        </p:txBody>
+      </p:sp>
     </p:spTree>
     <p:extLst>
       <p:ext uri="{BB962C8B-B14F-4D97-AF65-F5344CB8AC3E}">
@@ -5502,6 +5658,94 @@
               <a:schemeClr val="tx1"/>
             </a:solidFill>
           </a:ln>
+        </p:spPr>
+      </p:pic>
+      <p:pic>
+        <p:nvPicPr>
+          <p:cNvPr id="9" name="Picture 8">
+            <a:extLst>
+              <a:ext uri="{FF2B5EF4-FFF2-40B4-BE49-F238E27FC236}">
+                <a16:creationId xmlns:a16="http://schemas.microsoft.com/office/drawing/2014/main" id="{120A6B85-FCDE-3631-3F8E-FBEA9997CB49}"/>
+              </a:ext>
+            </a:extLst>
+          </p:cNvPr>
+          <p:cNvPicPr>
+            <a:picLocks noChangeAspect="1"/>
+          </p:cNvPicPr>
+          <p:nvPr/>
+        </p:nvPicPr>
+        <p:blipFill>
+          <a:blip r:embed="rId9"/>
+          <a:srcRect l="6187" t="4273" r="5388" b="7313"/>
+          <a:stretch/>
+        </p:blipFill>
+        <p:spPr>
+          <a:xfrm>
+            <a:off x="6156325" y="1775096"/>
+            <a:ext cx="1669530" cy="1659982"/>
+          </a:xfrm>
+          <a:prstGeom prst="rect">
+            <a:avLst/>
+          </a:prstGeom>
+        </p:spPr>
+      </p:pic>
+      <p:pic>
+        <p:nvPicPr>
+          <p:cNvPr id="11" name="Picture 10">
+            <a:extLst>
+              <a:ext uri="{FF2B5EF4-FFF2-40B4-BE49-F238E27FC236}">
+                <a16:creationId xmlns:a16="http://schemas.microsoft.com/office/drawing/2014/main" id="{DB81CE09-B4CC-1E29-1466-E70D02D53A0C}"/>
+              </a:ext>
+            </a:extLst>
+          </p:cNvPr>
+          <p:cNvPicPr>
+            <a:picLocks noChangeAspect="1"/>
+          </p:cNvPicPr>
+          <p:nvPr/>
+        </p:nvPicPr>
+        <p:blipFill>
+          <a:blip r:embed="rId10"/>
+          <a:srcRect l="4822" t="1262" r="2689" b="1681"/>
+          <a:stretch/>
+        </p:blipFill>
+        <p:spPr>
+          <a:xfrm>
+            <a:off x="4398214" y="1809750"/>
+            <a:ext cx="1596186" cy="1590675"/>
+          </a:xfrm>
+          <a:prstGeom prst="rect">
+            <a:avLst/>
+          </a:prstGeom>
+        </p:spPr>
+      </p:pic>
+      <p:pic>
+        <p:nvPicPr>
+          <p:cNvPr id="13" name="Picture 12">
+            <a:extLst>
+              <a:ext uri="{FF2B5EF4-FFF2-40B4-BE49-F238E27FC236}">
+                <a16:creationId xmlns:a16="http://schemas.microsoft.com/office/drawing/2014/main" id="{BF9EF45C-C104-8DFE-D4B1-8DD71A305628}"/>
+              </a:ext>
+            </a:extLst>
+          </p:cNvPr>
+          <p:cNvPicPr>
+            <a:picLocks noChangeAspect="1"/>
+          </p:cNvPicPr>
+          <p:nvPr/>
+        </p:nvPicPr>
+        <p:blipFill>
+          <a:blip r:embed="rId11"/>
+          <a:stretch>
+            <a:fillRect/>
+          </a:stretch>
+        </p:blipFill>
+        <p:spPr>
+          <a:xfrm>
+            <a:off x="4398214" y="1769018"/>
+            <a:ext cx="1653872" cy="1659982"/>
+          </a:xfrm>
+          <a:prstGeom prst="rect">
+            <a:avLst/>
+          </a:prstGeom>
         </p:spPr>
       </p:pic>
     </p:spTree>

--- a/z.ReadMeAssets/ASeGrapheneDetector.pptx
+++ b/z.ReadMeAssets/ASeGrapheneDetector.pptx
@@ -5,11 +5,11 @@
     <p:sldMasterId id="2147483648" r:id="rId1"/>
   </p:sldMasterIdLst>
   <p:sldIdLst>
-    <p:sldId id="256" r:id="rId2"/>
-    <p:sldId id="259" r:id="rId3"/>
-    <p:sldId id="257" r:id="rId4"/>
-    <p:sldId id="258" r:id="rId5"/>
-    <p:sldId id="260" r:id="rId6"/>
+    <p:sldId id="260" r:id="rId2"/>
+    <p:sldId id="256" r:id="rId3"/>
+    <p:sldId id="259" r:id="rId4"/>
+    <p:sldId id="257" r:id="rId5"/>
+    <p:sldId id="258" r:id="rId6"/>
   </p:sldIdLst>
   <p:sldSz cx="12192000" cy="6858000"/>
   <p:notesSz cx="6858000" cy="9144000"/>
@@ -263,7 +263,7 @@
           <a:p>
             <a:fld id="{0FDF81D3-AF8D-4441-8312-2AC07D86F629}" type="datetimeFigureOut">
               <a:rPr lang="en-US" smtClean="0"/>
-              <a:t>10/4/2024</a:t>
+              <a:t>10/7/2024</a:t>
             </a:fld>
             <a:endParaRPr lang="en-US"/>
           </a:p>
@@ -461,7 +461,7 @@
           <a:p>
             <a:fld id="{0FDF81D3-AF8D-4441-8312-2AC07D86F629}" type="datetimeFigureOut">
               <a:rPr lang="en-US" smtClean="0"/>
-              <a:t>10/4/2024</a:t>
+              <a:t>10/7/2024</a:t>
             </a:fld>
             <a:endParaRPr lang="en-US"/>
           </a:p>
@@ -669,7 +669,7 @@
           <a:p>
             <a:fld id="{0FDF81D3-AF8D-4441-8312-2AC07D86F629}" type="datetimeFigureOut">
               <a:rPr lang="en-US" smtClean="0"/>
-              <a:t>10/4/2024</a:t>
+              <a:t>10/7/2024</a:t>
             </a:fld>
             <a:endParaRPr lang="en-US"/>
           </a:p>
@@ -867,7 +867,7 @@
           <a:p>
             <a:fld id="{0FDF81D3-AF8D-4441-8312-2AC07D86F629}" type="datetimeFigureOut">
               <a:rPr lang="en-US" smtClean="0"/>
-              <a:t>10/4/2024</a:t>
+              <a:t>10/7/2024</a:t>
             </a:fld>
             <a:endParaRPr lang="en-US"/>
           </a:p>
@@ -1142,7 +1142,7 @@
           <a:p>
             <a:fld id="{0FDF81D3-AF8D-4441-8312-2AC07D86F629}" type="datetimeFigureOut">
               <a:rPr lang="en-US" smtClean="0"/>
-              <a:t>10/4/2024</a:t>
+              <a:t>10/7/2024</a:t>
             </a:fld>
             <a:endParaRPr lang="en-US"/>
           </a:p>
@@ -1407,7 +1407,7 @@
           <a:p>
             <a:fld id="{0FDF81D3-AF8D-4441-8312-2AC07D86F629}" type="datetimeFigureOut">
               <a:rPr lang="en-US" smtClean="0"/>
-              <a:t>10/4/2024</a:t>
+              <a:t>10/7/2024</a:t>
             </a:fld>
             <a:endParaRPr lang="en-US"/>
           </a:p>
@@ -1819,7 +1819,7 @@
           <a:p>
             <a:fld id="{0FDF81D3-AF8D-4441-8312-2AC07D86F629}" type="datetimeFigureOut">
               <a:rPr lang="en-US" smtClean="0"/>
-              <a:t>10/4/2024</a:t>
+              <a:t>10/7/2024</a:t>
             </a:fld>
             <a:endParaRPr lang="en-US"/>
           </a:p>
@@ -1960,7 +1960,7 @@
           <a:p>
             <a:fld id="{0FDF81D3-AF8D-4441-8312-2AC07D86F629}" type="datetimeFigureOut">
               <a:rPr lang="en-US" smtClean="0"/>
-              <a:t>10/4/2024</a:t>
+              <a:t>10/7/2024</a:t>
             </a:fld>
             <a:endParaRPr lang="en-US"/>
           </a:p>
@@ -2073,7 +2073,7 @@
           <a:p>
             <a:fld id="{0FDF81D3-AF8D-4441-8312-2AC07D86F629}" type="datetimeFigureOut">
               <a:rPr lang="en-US" smtClean="0"/>
-              <a:t>10/4/2024</a:t>
+              <a:t>10/7/2024</a:t>
             </a:fld>
             <a:endParaRPr lang="en-US"/>
           </a:p>
@@ -2384,7 +2384,7 @@
           <a:p>
             <a:fld id="{0FDF81D3-AF8D-4441-8312-2AC07D86F629}" type="datetimeFigureOut">
               <a:rPr lang="en-US" smtClean="0"/>
-              <a:t>10/4/2024</a:t>
+              <a:t>10/7/2024</a:t>
             </a:fld>
             <a:endParaRPr lang="en-US"/>
           </a:p>
@@ -2672,7 +2672,7 @@
           <a:p>
             <a:fld id="{0FDF81D3-AF8D-4441-8312-2AC07D86F629}" type="datetimeFigureOut">
               <a:rPr lang="en-US" smtClean="0"/>
-              <a:t>10/4/2024</a:t>
+              <a:t>10/7/2024</a:t>
             </a:fld>
             <a:endParaRPr lang="en-US"/>
           </a:p>
@@ -2913,7 +2913,7 @@
           <a:p>
             <a:fld id="{0FDF81D3-AF8D-4441-8312-2AC07D86F629}" type="datetimeFigureOut">
               <a:rPr lang="en-US" smtClean="0"/>
-              <a:t>10/4/2024</a:t>
+              <a:t>10/7/2024</a:t>
             </a:fld>
             <a:endParaRPr lang="en-US"/>
           </a:p>
@@ -3330,6 +3330,1028 @@
           <a:chExt cx="0" cy="0"/>
         </a:xfrm>
       </p:grpSpPr>
+      <p:sp>
+        <p:nvSpPr>
+          <p:cNvPr id="4" name="TextBox 3">
+            <a:extLst>
+              <a:ext uri="{FF2B5EF4-FFF2-40B4-BE49-F238E27FC236}">
+                <a16:creationId xmlns:a16="http://schemas.microsoft.com/office/drawing/2014/main" id="{C26FCC11-0F87-4341-2FB5-27FDC1BA6D07}"/>
+              </a:ext>
+            </a:extLst>
+          </p:cNvPr>
+          <p:cNvSpPr txBox="1"/>
+          <p:nvPr/>
+        </p:nvSpPr>
+        <p:spPr>
+          <a:xfrm>
+            <a:off x="3165475" y="156006"/>
+            <a:ext cx="5861050" cy="646331"/>
+          </a:xfrm>
+          <a:prstGeom prst="rect">
+            <a:avLst/>
+          </a:prstGeom>
+          <a:noFill/>
+          <a:ln>
+            <a:solidFill>
+              <a:schemeClr val="tx1"/>
+            </a:solidFill>
+          </a:ln>
+        </p:spPr>
+        <p:txBody>
+          <a:bodyPr wrap="square" rtlCol="0">
+            <a:spAutoFit/>
+          </a:bodyPr>
+          <a:lstStyle/>
+          <a:p>
+            <a:pPr algn="ctr"/>
+            <a:r>
+              <a:rPr lang="en-US" sz="3600" b="1" u="sng" dirty="0"/>
+              <a:t>Files Available</a:t>
+            </a:r>
+          </a:p>
+        </p:txBody>
+      </p:sp>
+      <p:sp>
+        <p:nvSpPr>
+          <p:cNvPr id="5" name="TextBox 4">
+            <a:extLst>
+              <a:ext uri="{FF2B5EF4-FFF2-40B4-BE49-F238E27FC236}">
+                <a16:creationId xmlns:a16="http://schemas.microsoft.com/office/drawing/2014/main" id="{2585CB69-FE3B-947D-B032-9A0318753488}"/>
+              </a:ext>
+            </a:extLst>
+          </p:cNvPr>
+          <p:cNvSpPr txBox="1"/>
+          <p:nvPr/>
+        </p:nvSpPr>
+        <p:spPr>
+          <a:xfrm>
+            <a:off x="603250" y="1146683"/>
+            <a:ext cx="3378198" cy="461665"/>
+          </a:xfrm>
+          <a:prstGeom prst="rect">
+            <a:avLst/>
+          </a:prstGeom>
+          <a:noFill/>
+          <a:ln>
+            <a:solidFill>
+              <a:schemeClr val="tx1"/>
+            </a:solidFill>
+          </a:ln>
+        </p:spPr>
+        <p:txBody>
+          <a:bodyPr wrap="square" rtlCol="0">
+            <a:spAutoFit/>
+          </a:bodyPr>
+          <a:lstStyle/>
+          <a:p>
+            <a:pPr algn="ctr"/>
+            <a:r>
+              <a:rPr lang="en-US" sz="2400" b="1" dirty="0"/>
+              <a:t>3D CAD </a:t>
+            </a:r>
+            <a:r>
+              <a:rPr lang="en-US" sz="2400" dirty="0"/>
+              <a:t> [ </a:t>
+            </a:r>
+            <a:r>
+              <a:rPr lang="en-US" sz="2400" i="1" dirty="0"/>
+              <a:t>.step </a:t>
+            </a:r>
+            <a:r>
+              <a:rPr lang="en-US" sz="2400" dirty="0"/>
+              <a:t>]</a:t>
+            </a:r>
+            <a:endParaRPr lang="en-US" sz="2400" i="1" dirty="0"/>
+          </a:p>
+        </p:txBody>
+      </p:sp>
+      <p:sp>
+        <p:nvSpPr>
+          <p:cNvPr id="6" name="TextBox 5">
+            <a:extLst>
+              <a:ext uri="{FF2B5EF4-FFF2-40B4-BE49-F238E27FC236}">
+                <a16:creationId xmlns:a16="http://schemas.microsoft.com/office/drawing/2014/main" id="{1544E80C-1E22-49D0-080D-7F59ED274BD1}"/>
+              </a:ext>
+            </a:extLst>
+          </p:cNvPr>
+          <p:cNvSpPr txBox="1"/>
+          <p:nvPr/>
+        </p:nvSpPr>
+        <p:spPr>
+          <a:xfrm>
+            <a:off x="4406901" y="1147832"/>
+            <a:ext cx="3378198" cy="461665"/>
+          </a:xfrm>
+          <a:prstGeom prst="rect">
+            <a:avLst/>
+          </a:prstGeom>
+          <a:noFill/>
+          <a:ln>
+            <a:solidFill>
+              <a:schemeClr val="tx1"/>
+            </a:solidFill>
+          </a:ln>
+        </p:spPr>
+        <p:txBody>
+          <a:bodyPr wrap="square" rtlCol="0">
+            <a:spAutoFit/>
+          </a:bodyPr>
+          <a:lstStyle/>
+          <a:p>
+            <a:pPr algn="ctr"/>
+            <a:r>
+              <a:rPr lang="en-US" sz="2400" b="1" dirty="0"/>
+              <a:t>2D CAD </a:t>
+            </a:r>
+            <a:r>
+              <a:rPr lang="en-US" sz="2400" dirty="0"/>
+              <a:t>[ </a:t>
+            </a:r>
+            <a:r>
+              <a:rPr lang="en-US" sz="2400" i="1" dirty="0"/>
+              <a:t>.</a:t>
+            </a:r>
+            <a:r>
+              <a:rPr lang="en-US" sz="2400" i="1" dirty="0" err="1"/>
+              <a:t>dxf</a:t>
+            </a:r>
+            <a:r>
+              <a:rPr lang="en-US" sz="2400" i="1" dirty="0"/>
+              <a:t> </a:t>
+            </a:r>
+            <a:r>
+              <a:rPr lang="en-US" sz="2400" dirty="0"/>
+              <a:t>]</a:t>
+            </a:r>
+            <a:endParaRPr lang="en-US" sz="2400" i="1" dirty="0"/>
+          </a:p>
+        </p:txBody>
+      </p:sp>
+      <p:sp>
+        <p:nvSpPr>
+          <p:cNvPr id="7" name="TextBox 6">
+            <a:extLst>
+              <a:ext uri="{FF2B5EF4-FFF2-40B4-BE49-F238E27FC236}">
+                <a16:creationId xmlns:a16="http://schemas.microsoft.com/office/drawing/2014/main" id="{5C6AE7C9-FA12-475A-7BC2-6EEE5DD0B878}"/>
+              </a:ext>
+            </a:extLst>
+          </p:cNvPr>
+          <p:cNvSpPr txBox="1"/>
+          <p:nvPr/>
+        </p:nvSpPr>
+        <p:spPr>
+          <a:xfrm>
+            <a:off x="4406902" y="3600317"/>
+            <a:ext cx="3378197" cy="461665"/>
+          </a:xfrm>
+          <a:prstGeom prst="rect">
+            <a:avLst/>
+          </a:prstGeom>
+          <a:noFill/>
+          <a:ln>
+            <a:solidFill>
+              <a:schemeClr val="tx1"/>
+            </a:solidFill>
+          </a:ln>
+        </p:spPr>
+        <p:txBody>
+          <a:bodyPr wrap="square" rtlCol="0">
+            <a:spAutoFit/>
+          </a:bodyPr>
+          <a:lstStyle/>
+          <a:p>
+            <a:pPr algn="ctr"/>
+            <a:r>
+              <a:rPr lang="en-US" sz="2400" b="1" dirty="0"/>
+              <a:t>Drawings </a:t>
+            </a:r>
+            <a:r>
+              <a:rPr lang="en-US" sz="2400" dirty="0"/>
+              <a:t>[ </a:t>
+            </a:r>
+            <a:r>
+              <a:rPr lang="en-US" sz="2400" i="1" dirty="0"/>
+              <a:t>.pdf </a:t>
+            </a:r>
+            <a:r>
+              <a:rPr lang="en-US" sz="2400" dirty="0"/>
+              <a:t>]</a:t>
+            </a:r>
+            <a:endParaRPr lang="en-US" sz="2400" i="1" dirty="0"/>
+          </a:p>
+        </p:txBody>
+      </p:sp>
+      <p:grpSp>
+        <p:nvGrpSpPr>
+          <p:cNvPr id="2" name="Group 1">
+            <a:extLst>
+              <a:ext uri="{FF2B5EF4-FFF2-40B4-BE49-F238E27FC236}">
+                <a16:creationId xmlns:a16="http://schemas.microsoft.com/office/drawing/2014/main" id="{4DF801D7-B205-525B-22A5-8302AEDF3866}"/>
+              </a:ext>
+            </a:extLst>
+          </p:cNvPr>
+          <p:cNvGrpSpPr/>
+          <p:nvPr/>
+        </p:nvGrpSpPr>
+        <p:grpSpPr>
+          <a:xfrm>
+            <a:off x="684212" y="1868382"/>
+            <a:ext cx="3216274" cy="4659245"/>
+            <a:chOff x="508001" y="1809132"/>
+            <a:chExt cx="3216274" cy="4659245"/>
+          </a:xfrm>
+        </p:grpSpPr>
+        <p:pic>
+          <p:nvPicPr>
+            <p:cNvPr id="15" name="Picture 14">
+              <a:extLst>
+                <a:ext uri="{FF2B5EF4-FFF2-40B4-BE49-F238E27FC236}">
+                  <a16:creationId xmlns:a16="http://schemas.microsoft.com/office/drawing/2014/main" id="{EBE5693C-D3AB-7C81-2517-F73630029548}"/>
+                </a:ext>
+              </a:extLst>
+            </p:cNvPr>
+            <p:cNvPicPr>
+              <a:picLocks noChangeAspect="1"/>
+            </p:cNvPicPr>
+            <p:nvPr/>
+          </p:nvPicPr>
+          <p:blipFill>
+            <a:blip r:embed="rId2"/>
+            <a:srcRect l="7733" t="9905" r="4196" b="22577"/>
+            <a:stretch/>
+          </p:blipFill>
+          <p:spPr>
+            <a:xfrm>
+              <a:off x="603251" y="1809132"/>
+              <a:ext cx="3038474" cy="1225474"/>
+            </a:xfrm>
+            <a:prstGeom prst="rect">
+              <a:avLst/>
+            </a:prstGeom>
+          </p:spPr>
+        </p:pic>
+        <p:pic>
+          <p:nvPicPr>
+            <p:cNvPr id="17" name="Picture 16">
+              <a:extLst>
+                <a:ext uri="{FF2B5EF4-FFF2-40B4-BE49-F238E27FC236}">
+                  <a16:creationId xmlns:a16="http://schemas.microsoft.com/office/drawing/2014/main" id="{68556984-02DF-4DEB-2BC6-D79BC4C45B66}"/>
+                </a:ext>
+              </a:extLst>
+            </p:cNvPr>
+            <p:cNvPicPr>
+              <a:picLocks noChangeAspect="1"/>
+            </p:cNvPicPr>
+            <p:nvPr/>
+          </p:nvPicPr>
+          <p:blipFill>
+            <a:blip r:embed="rId3"/>
+            <a:srcRect l="4948" t="11474" r="8438" b="11397"/>
+            <a:stretch/>
+          </p:blipFill>
+          <p:spPr>
+            <a:xfrm>
+              <a:off x="508001" y="3525582"/>
+              <a:ext cx="3216274" cy="1112866"/>
+            </a:xfrm>
+            <a:prstGeom prst="rect">
+              <a:avLst/>
+            </a:prstGeom>
+          </p:spPr>
+        </p:pic>
+        <p:pic>
+          <p:nvPicPr>
+            <p:cNvPr id="19" name="Picture 18">
+              <a:extLst>
+                <a:ext uri="{FF2B5EF4-FFF2-40B4-BE49-F238E27FC236}">
+                  <a16:creationId xmlns:a16="http://schemas.microsoft.com/office/drawing/2014/main" id="{95684239-5B92-1CF3-E077-DB10FAD31C9D}"/>
+                </a:ext>
+              </a:extLst>
+            </p:cNvPr>
+            <p:cNvPicPr>
+              <a:picLocks noChangeAspect="1"/>
+            </p:cNvPicPr>
+            <p:nvPr/>
+          </p:nvPicPr>
+          <p:blipFill>
+            <a:blip r:embed="rId4"/>
+            <a:srcRect l="8725" t="8665" r="7576" b="8789"/>
+            <a:stretch/>
+          </p:blipFill>
+          <p:spPr>
+            <a:xfrm>
+              <a:off x="805048" y="5046635"/>
+              <a:ext cx="2634880" cy="1217648"/>
+            </a:xfrm>
+            <a:prstGeom prst="rect">
+              <a:avLst/>
+            </a:prstGeom>
+          </p:spPr>
+        </p:pic>
+        <p:sp>
+          <p:nvSpPr>
+            <p:cNvPr id="20" name="TextBox 19">
+              <a:extLst>
+                <a:ext uri="{FF2B5EF4-FFF2-40B4-BE49-F238E27FC236}">
+                  <a16:creationId xmlns:a16="http://schemas.microsoft.com/office/drawing/2014/main" id="{33591D96-1B31-2089-0DB4-30E37E99FEAF}"/>
+                </a:ext>
+              </a:extLst>
+            </p:cNvPr>
+            <p:cNvSpPr txBox="1"/>
+            <p:nvPr/>
+          </p:nvSpPr>
+          <p:spPr>
+            <a:xfrm>
+              <a:off x="2244727" y="2967517"/>
+              <a:ext cx="1273174" cy="246221"/>
+            </a:xfrm>
+            <a:prstGeom prst="rect">
+              <a:avLst/>
+            </a:prstGeom>
+            <a:noFill/>
+            <a:ln>
+              <a:noFill/>
+            </a:ln>
+          </p:spPr>
+          <p:txBody>
+            <a:bodyPr wrap="square" rtlCol="0">
+              <a:spAutoFit/>
+            </a:bodyPr>
+            <a:lstStyle/>
+            <a:p>
+              <a:pPr algn="ctr"/>
+              <a:r>
+                <a:rPr lang="en-US" sz="1000" dirty="0"/>
+                <a:t>4x Shadow Masks</a:t>
+              </a:r>
+            </a:p>
+          </p:txBody>
+        </p:sp>
+        <p:sp>
+          <p:nvSpPr>
+            <p:cNvPr id="21" name="TextBox 20">
+              <a:extLst>
+                <a:ext uri="{FF2B5EF4-FFF2-40B4-BE49-F238E27FC236}">
+                  <a16:creationId xmlns:a16="http://schemas.microsoft.com/office/drawing/2014/main" id="{24C63773-9D3A-3CFC-3A1D-041466056947}"/>
+                </a:ext>
+              </a:extLst>
+            </p:cNvPr>
+            <p:cNvSpPr txBox="1"/>
+            <p:nvPr/>
+          </p:nvSpPr>
+          <p:spPr>
+            <a:xfrm>
+              <a:off x="2244727" y="4558220"/>
+              <a:ext cx="1273174" cy="246221"/>
+            </a:xfrm>
+            <a:prstGeom prst="rect">
+              <a:avLst/>
+            </a:prstGeom>
+            <a:noFill/>
+            <a:ln>
+              <a:noFill/>
+            </a:ln>
+          </p:spPr>
+          <p:txBody>
+            <a:bodyPr wrap="square" rtlCol="0">
+              <a:spAutoFit/>
+            </a:bodyPr>
+            <a:lstStyle/>
+            <a:p>
+              <a:pPr algn="ctr"/>
+              <a:r>
+                <a:rPr lang="en-US" sz="1000" dirty="0"/>
+                <a:t>Mask Aligner</a:t>
+              </a:r>
+            </a:p>
+          </p:txBody>
+        </p:sp>
+        <p:sp>
+          <p:nvSpPr>
+            <p:cNvPr id="22" name="TextBox 21">
+              <a:extLst>
+                <a:ext uri="{FF2B5EF4-FFF2-40B4-BE49-F238E27FC236}">
+                  <a16:creationId xmlns:a16="http://schemas.microsoft.com/office/drawing/2014/main" id="{48343A6B-D0C0-27DA-2FD3-A4F544C52DEE}"/>
+                </a:ext>
+              </a:extLst>
+            </p:cNvPr>
+            <p:cNvSpPr txBox="1"/>
+            <p:nvPr/>
+          </p:nvSpPr>
+          <p:spPr>
+            <a:xfrm>
+              <a:off x="2244727" y="6222156"/>
+              <a:ext cx="1273174" cy="246221"/>
+            </a:xfrm>
+            <a:prstGeom prst="rect">
+              <a:avLst/>
+            </a:prstGeom>
+            <a:noFill/>
+            <a:ln>
+              <a:noFill/>
+            </a:ln>
+          </p:spPr>
+          <p:txBody>
+            <a:bodyPr wrap="square" rtlCol="0">
+              <a:spAutoFit/>
+            </a:bodyPr>
+            <a:lstStyle/>
+            <a:p>
+              <a:pPr algn="ctr"/>
+              <a:r>
+                <a:rPr lang="en-US" sz="1000" dirty="0"/>
+                <a:t>Wafer Model</a:t>
+              </a:r>
+            </a:p>
+          </p:txBody>
+        </p:sp>
+      </p:grpSp>
+      <p:grpSp>
+        <p:nvGrpSpPr>
+          <p:cNvPr id="23" name="Group 22">
+            <a:extLst>
+              <a:ext uri="{FF2B5EF4-FFF2-40B4-BE49-F238E27FC236}">
+                <a16:creationId xmlns:a16="http://schemas.microsoft.com/office/drawing/2014/main" id="{7B0E889B-2A68-1CC2-85BF-281168F8C953}"/>
+              </a:ext>
+            </a:extLst>
+          </p:cNvPr>
+          <p:cNvGrpSpPr/>
+          <p:nvPr/>
+        </p:nvGrpSpPr>
+        <p:grpSpPr>
+          <a:xfrm>
+            <a:off x="8752074" y="1868382"/>
+            <a:ext cx="2216739" cy="4365394"/>
+            <a:chOff x="5325137" y="2051705"/>
+            <a:chExt cx="2503560" cy="4951630"/>
+          </a:xfrm>
+        </p:grpSpPr>
+        <p:pic>
+          <p:nvPicPr>
+            <p:cNvPr id="24" name="Picture 23">
+              <a:extLst>
+                <a:ext uri="{FF2B5EF4-FFF2-40B4-BE49-F238E27FC236}">
+                  <a16:creationId xmlns:a16="http://schemas.microsoft.com/office/drawing/2014/main" id="{F26C3947-665E-93EE-5AA4-61A843F84C22}"/>
+                </a:ext>
+              </a:extLst>
+            </p:cNvPr>
+            <p:cNvPicPr>
+              <a:picLocks noChangeAspect="1"/>
+            </p:cNvPicPr>
+            <p:nvPr/>
+          </p:nvPicPr>
+          <p:blipFill>
+            <a:blip r:embed="rId5"/>
+            <a:stretch>
+              <a:fillRect/>
+            </a:stretch>
+          </p:blipFill>
+          <p:spPr>
+            <a:xfrm>
+              <a:off x="5325137" y="2051705"/>
+              <a:ext cx="2017486" cy="2861623"/>
+            </a:xfrm>
+            <a:prstGeom prst="rect">
+              <a:avLst/>
+            </a:prstGeom>
+            <a:ln>
+              <a:solidFill>
+                <a:schemeClr val="tx1"/>
+              </a:solidFill>
+            </a:ln>
+          </p:spPr>
+        </p:pic>
+        <p:pic>
+          <p:nvPicPr>
+            <p:cNvPr id="25" name="Picture 24">
+              <a:extLst>
+                <a:ext uri="{FF2B5EF4-FFF2-40B4-BE49-F238E27FC236}">
+                  <a16:creationId xmlns:a16="http://schemas.microsoft.com/office/drawing/2014/main" id="{BEB7B91A-CDA6-D565-1CD6-D2A89577B1D2}"/>
+                </a:ext>
+              </a:extLst>
+            </p:cNvPr>
+            <p:cNvPicPr>
+              <a:picLocks noChangeAspect="1"/>
+            </p:cNvPicPr>
+            <p:nvPr/>
+          </p:nvPicPr>
+          <p:blipFill>
+            <a:blip r:embed="rId6"/>
+            <a:stretch>
+              <a:fillRect/>
+            </a:stretch>
+          </p:blipFill>
+          <p:spPr>
+            <a:xfrm>
+              <a:off x="5600497" y="3141783"/>
+              <a:ext cx="1959806" cy="2796209"/>
+            </a:xfrm>
+            <a:prstGeom prst="rect">
+              <a:avLst/>
+            </a:prstGeom>
+            <a:ln>
+              <a:solidFill>
+                <a:schemeClr val="tx1"/>
+              </a:solidFill>
+            </a:ln>
+          </p:spPr>
+        </p:pic>
+        <p:pic>
+          <p:nvPicPr>
+            <p:cNvPr id="26" name="Picture 25">
+              <a:extLst>
+                <a:ext uri="{FF2B5EF4-FFF2-40B4-BE49-F238E27FC236}">
+                  <a16:creationId xmlns:a16="http://schemas.microsoft.com/office/drawing/2014/main" id="{977457B0-B5A4-6050-AA3C-897D29A3FD90}"/>
+                </a:ext>
+              </a:extLst>
+            </p:cNvPr>
+            <p:cNvPicPr>
+              <a:picLocks noChangeAspect="1"/>
+            </p:cNvPicPr>
+            <p:nvPr/>
+          </p:nvPicPr>
+          <p:blipFill>
+            <a:blip r:embed="rId7"/>
+            <a:stretch>
+              <a:fillRect/>
+            </a:stretch>
+          </p:blipFill>
+          <p:spPr>
+            <a:xfrm>
+              <a:off x="5868611" y="4207129"/>
+              <a:ext cx="1960086" cy="2796206"/>
+            </a:xfrm>
+            <a:prstGeom prst="rect">
+              <a:avLst/>
+            </a:prstGeom>
+            <a:ln>
+              <a:solidFill>
+                <a:schemeClr val="tx1"/>
+              </a:solidFill>
+            </a:ln>
+          </p:spPr>
+        </p:pic>
+      </p:grpSp>
+      <p:sp>
+        <p:nvSpPr>
+          <p:cNvPr id="27" name="TextBox 26">
+            <a:extLst>
+              <a:ext uri="{FF2B5EF4-FFF2-40B4-BE49-F238E27FC236}">
+                <a16:creationId xmlns:a16="http://schemas.microsoft.com/office/drawing/2014/main" id="{302DF6B7-E690-8943-0A52-F0FD87FFB52C}"/>
+              </a:ext>
+            </a:extLst>
+          </p:cNvPr>
+          <p:cNvSpPr txBox="1"/>
+          <p:nvPr/>
+        </p:nvSpPr>
+        <p:spPr>
+          <a:xfrm>
+            <a:off x="8210552" y="1142240"/>
+            <a:ext cx="3378198" cy="461665"/>
+          </a:xfrm>
+          <a:prstGeom prst="rect">
+            <a:avLst/>
+          </a:prstGeom>
+          <a:noFill/>
+          <a:ln>
+            <a:solidFill>
+              <a:schemeClr val="tx1"/>
+            </a:solidFill>
+          </a:ln>
+        </p:spPr>
+        <p:txBody>
+          <a:bodyPr wrap="square" rtlCol="0">
+            <a:spAutoFit/>
+          </a:bodyPr>
+          <a:lstStyle/>
+          <a:p>
+            <a:pPr algn="ctr"/>
+            <a:r>
+              <a:rPr lang="en-US" sz="2400" b="1" dirty="0"/>
+              <a:t>Academic Paper </a:t>
+            </a:r>
+            <a:r>
+              <a:rPr lang="en-US" sz="2400" dirty="0"/>
+              <a:t>[ </a:t>
+            </a:r>
+            <a:r>
+              <a:rPr lang="en-US" sz="2400" i="1" dirty="0"/>
+              <a:t>.pdf </a:t>
+            </a:r>
+            <a:r>
+              <a:rPr lang="en-US" sz="2400" dirty="0"/>
+              <a:t>]</a:t>
+            </a:r>
+            <a:endParaRPr lang="en-US" sz="2400" i="1" dirty="0"/>
+          </a:p>
+        </p:txBody>
+      </p:sp>
+      <p:pic>
+        <p:nvPicPr>
+          <p:cNvPr id="3" name="Picture 2">
+            <a:extLst>
+              <a:ext uri="{FF2B5EF4-FFF2-40B4-BE49-F238E27FC236}">
+                <a16:creationId xmlns:a16="http://schemas.microsoft.com/office/drawing/2014/main" id="{E790FCEF-998D-DC18-A6A9-0B6F49EC01D6}"/>
+              </a:ext>
+            </a:extLst>
+          </p:cNvPr>
+          <p:cNvPicPr>
+            <a:picLocks noChangeAspect="1"/>
+          </p:cNvPicPr>
+          <p:nvPr/>
+        </p:nvPicPr>
+        <p:blipFill>
+          <a:blip r:embed="rId8"/>
+          <a:stretch>
+            <a:fillRect/>
+          </a:stretch>
+        </p:blipFill>
+        <p:spPr>
+          <a:xfrm>
+            <a:off x="4223156" y="4285649"/>
+            <a:ext cx="3745688" cy="2416818"/>
+          </a:xfrm>
+          <a:prstGeom prst="rect">
+            <a:avLst/>
+          </a:prstGeom>
+          <a:ln w="3175">
+            <a:solidFill>
+              <a:schemeClr val="tx1"/>
+            </a:solidFill>
+          </a:ln>
+        </p:spPr>
+      </p:pic>
+      <p:pic>
+        <p:nvPicPr>
+          <p:cNvPr id="9" name="Picture 8">
+            <a:extLst>
+              <a:ext uri="{FF2B5EF4-FFF2-40B4-BE49-F238E27FC236}">
+                <a16:creationId xmlns:a16="http://schemas.microsoft.com/office/drawing/2014/main" id="{120A6B85-FCDE-3631-3F8E-FBEA9997CB49}"/>
+              </a:ext>
+            </a:extLst>
+          </p:cNvPr>
+          <p:cNvPicPr>
+            <a:picLocks noChangeAspect="1"/>
+          </p:cNvPicPr>
+          <p:nvPr/>
+        </p:nvPicPr>
+        <p:blipFill>
+          <a:blip r:embed="rId9"/>
+          <a:srcRect l="6187" t="4273" r="5388" b="7313"/>
+          <a:stretch/>
+        </p:blipFill>
+        <p:spPr>
+          <a:xfrm>
+            <a:off x="6156325" y="1775096"/>
+            <a:ext cx="1669530" cy="1659982"/>
+          </a:xfrm>
+          <a:prstGeom prst="rect">
+            <a:avLst/>
+          </a:prstGeom>
+        </p:spPr>
+      </p:pic>
+      <p:pic>
+        <p:nvPicPr>
+          <p:cNvPr id="11" name="Picture 10">
+            <a:extLst>
+              <a:ext uri="{FF2B5EF4-FFF2-40B4-BE49-F238E27FC236}">
+                <a16:creationId xmlns:a16="http://schemas.microsoft.com/office/drawing/2014/main" id="{DB81CE09-B4CC-1E29-1466-E70D02D53A0C}"/>
+              </a:ext>
+            </a:extLst>
+          </p:cNvPr>
+          <p:cNvPicPr>
+            <a:picLocks noChangeAspect="1"/>
+          </p:cNvPicPr>
+          <p:nvPr/>
+        </p:nvPicPr>
+        <p:blipFill>
+          <a:blip r:embed="rId10"/>
+          <a:srcRect l="4822" t="1262" r="2689" b="1681"/>
+          <a:stretch/>
+        </p:blipFill>
+        <p:spPr>
+          <a:xfrm>
+            <a:off x="4398214" y="1809750"/>
+            <a:ext cx="1596186" cy="1590675"/>
+          </a:xfrm>
+          <a:prstGeom prst="rect">
+            <a:avLst/>
+          </a:prstGeom>
+        </p:spPr>
+      </p:pic>
+      <p:pic>
+        <p:nvPicPr>
+          <p:cNvPr id="13" name="Picture 12">
+            <a:extLst>
+              <a:ext uri="{FF2B5EF4-FFF2-40B4-BE49-F238E27FC236}">
+                <a16:creationId xmlns:a16="http://schemas.microsoft.com/office/drawing/2014/main" id="{BF9EF45C-C104-8DFE-D4B1-8DD71A305628}"/>
+              </a:ext>
+            </a:extLst>
+          </p:cNvPr>
+          <p:cNvPicPr>
+            <a:picLocks noChangeAspect="1"/>
+          </p:cNvPicPr>
+          <p:nvPr/>
+        </p:nvPicPr>
+        <p:blipFill>
+          <a:blip r:embed="rId11"/>
+          <a:stretch>
+            <a:fillRect/>
+          </a:stretch>
+        </p:blipFill>
+        <p:spPr>
+          <a:xfrm>
+            <a:off x="4398214" y="1769018"/>
+            <a:ext cx="1653872" cy="1659982"/>
+          </a:xfrm>
+          <a:prstGeom prst="rect">
+            <a:avLst/>
+          </a:prstGeom>
+        </p:spPr>
+      </p:pic>
+      <p:sp>
+        <p:nvSpPr>
+          <p:cNvPr id="8" name="TextBox 7">
+            <a:extLst>
+              <a:ext uri="{FF2B5EF4-FFF2-40B4-BE49-F238E27FC236}">
+                <a16:creationId xmlns:a16="http://schemas.microsoft.com/office/drawing/2014/main" id="{8BC5165C-60CA-5BDB-D758-5FB1422B9BC7}"/>
+              </a:ext>
+            </a:extLst>
+          </p:cNvPr>
+          <p:cNvSpPr txBox="1"/>
+          <p:nvPr/>
+        </p:nvSpPr>
+        <p:spPr>
+          <a:xfrm>
+            <a:off x="8251307" y="1603905"/>
+            <a:ext cx="3339629" cy="246221"/>
+          </a:xfrm>
+          <a:prstGeom prst="rect">
+            <a:avLst/>
+          </a:prstGeom>
+          <a:noFill/>
+          <a:ln>
+            <a:noFill/>
+          </a:ln>
+        </p:spPr>
+        <p:txBody>
+          <a:bodyPr wrap="square" rtlCol="0">
+            <a:spAutoFit/>
+          </a:bodyPr>
+          <a:lstStyle/>
+          <a:p>
+            <a:r>
+              <a:rPr lang="en-US" sz="1000" b="1" i="1" dirty="0"/>
+              <a:t>./Academic Paper/Amorph…</a:t>
+            </a:r>
+          </a:p>
+        </p:txBody>
+      </p:sp>
+      <p:sp>
+        <p:nvSpPr>
+          <p:cNvPr id="10" name="TextBox 9">
+            <a:extLst>
+              <a:ext uri="{FF2B5EF4-FFF2-40B4-BE49-F238E27FC236}">
+                <a16:creationId xmlns:a16="http://schemas.microsoft.com/office/drawing/2014/main" id="{B0ECDBA3-2259-8116-F968-25B530C26F58}"/>
+              </a:ext>
+            </a:extLst>
+          </p:cNvPr>
+          <p:cNvSpPr txBox="1"/>
+          <p:nvPr/>
+        </p:nvSpPr>
+        <p:spPr>
+          <a:xfrm>
+            <a:off x="4347342" y="1597701"/>
+            <a:ext cx="3339629" cy="246221"/>
+          </a:xfrm>
+          <a:prstGeom prst="rect">
+            <a:avLst/>
+          </a:prstGeom>
+          <a:noFill/>
+          <a:ln>
+            <a:noFill/>
+          </a:ln>
+        </p:spPr>
+        <p:txBody>
+          <a:bodyPr wrap="square" rtlCol="0">
+            <a:spAutoFit/>
+          </a:bodyPr>
+          <a:lstStyle/>
+          <a:p>
+            <a:r>
+              <a:rPr lang="en-US" sz="1000" b="1" i="1" dirty="0"/>
+              <a:t>./DXF/</a:t>
+            </a:r>
+            <a:r>
+              <a:rPr lang="en-US" sz="1000" b="1" i="1" dirty="0" err="1"/>
+              <a:t>Name.dxf</a:t>
+            </a:r>
+            <a:endParaRPr lang="en-US" sz="1000" b="1" i="1" dirty="0"/>
+          </a:p>
+        </p:txBody>
+      </p:sp>
+      <p:sp>
+        <p:nvSpPr>
+          <p:cNvPr id="14" name="TextBox 13">
+            <a:extLst>
+              <a:ext uri="{FF2B5EF4-FFF2-40B4-BE49-F238E27FC236}">
+                <a16:creationId xmlns:a16="http://schemas.microsoft.com/office/drawing/2014/main" id="{902E01DA-F19D-CE2A-7D88-237B6EADDA21}"/>
+              </a:ext>
+            </a:extLst>
+          </p:cNvPr>
+          <p:cNvSpPr txBox="1"/>
+          <p:nvPr/>
+        </p:nvSpPr>
+        <p:spPr>
+          <a:xfrm>
+            <a:off x="560857" y="1635328"/>
+            <a:ext cx="3339629" cy="246221"/>
+          </a:xfrm>
+          <a:prstGeom prst="rect">
+            <a:avLst/>
+          </a:prstGeom>
+          <a:noFill/>
+          <a:ln>
+            <a:noFill/>
+          </a:ln>
+        </p:spPr>
+        <p:txBody>
+          <a:bodyPr wrap="square" rtlCol="0">
+            <a:spAutoFit/>
+          </a:bodyPr>
+          <a:lstStyle/>
+          <a:p>
+            <a:r>
+              <a:rPr lang="en-US" sz="1000" b="1" i="1" dirty="0"/>
+              <a:t>./Models/Masks/</a:t>
+            </a:r>
+            <a:r>
+              <a:rPr lang="en-US" sz="1000" b="1" i="1" dirty="0" err="1"/>
+              <a:t>Name.step</a:t>
+            </a:r>
+            <a:endParaRPr lang="en-US" sz="1000" b="1" i="1" dirty="0"/>
+          </a:p>
+        </p:txBody>
+      </p:sp>
+      <p:sp>
+        <p:nvSpPr>
+          <p:cNvPr id="16" name="TextBox 15">
+            <a:extLst>
+              <a:ext uri="{FF2B5EF4-FFF2-40B4-BE49-F238E27FC236}">
+                <a16:creationId xmlns:a16="http://schemas.microsoft.com/office/drawing/2014/main" id="{FB9B7E09-97D5-42C2-E14E-E5222A1F1DD6}"/>
+              </a:ext>
+            </a:extLst>
+          </p:cNvPr>
+          <p:cNvSpPr txBox="1"/>
+          <p:nvPr/>
+        </p:nvSpPr>
+        <p:spPr>
+          <a:xfrm>
+            <a:off x="603250" y="3301378"/>
+            <a:ext cx="3339629" cy="246221"/>
+          </a:xfrm>
+          <a:prstGeom prst="rect">
+            <a:avLst/>
+          </a:prstGeom>
+          <a:noFill/>
+          <a:ln>
+            <a:noFill/>
+          </a:ln>
+        </p:spPr>
+        <p:txBody>
+          <a:bodyPr wrap="square" rtlCol="0">
+            <a:spAutoFit/>
+          </a:bodyPr>
+          <a:lstStyle/>
+          <a:p>
+            <a:r>
+              <a:rPr lang="en-US" sz="1000" b="1" i="1" dirty="0"/>
+              <a:t>./Models/Masks Aligner/Mask </a:t>
+            </a:r>
+            <a:r>
+              <a:rPr lang="en-US" sz="1000" b="1" i="1" dirty="0" err="1"/>
+              <a:t>Aligner.step</a:t>
+            </a:r>
+            <a:endParaRPr lang="en-US" sz="1000" b="1" i="1" dirty="0"/>
+          </a:p>
+        </p:txBody>
+      </p:sp>
+      <p:sp>
+        <p:nvSpPr>
+          <p:cNvPr id="18" name="TextBox 17">
+            <a:extLst>
+              <a:ext uri="{FF2B5EF4-FFF2-40B4-BE49-F238E27FC236}">
+                <a16:creationId xmlns:a16="http://schemas.microsoft.com/office/drawing/2014/main" id="{7DE80E36-01AA-84A5-AC25-658FFB3C3F28}"/>
+              </a:ext>
+            </a:extLst>
+          </p:cNvPr>
+          <p:cNvSpPr txBox="1"/>
+          <p:nvPr/>
+        </p:nvSpPr>
+        <p:spPr>
+          <a:xfrm>
+            <a:off x="560857" y="4854023"/>
+            <a:ext cx="3339629" cy="246221"/>
+          </a:xfrm>
+          <a:prstGeom prst="rect">
+            <a:avLst/>
+          </a:prstGeom>
+          <a:noFill/>
+          <a:ln>
+            <a:noFill/>
+          </a:ln>
+        </p:spPr>
+        <p:txBody>
+          <a:bodyPr wrap="square" rtlCol="0">
+            <a:spAutoFit/>
+          </a:bodyPr>
+          <a:lstStyle/>
+          <a:p>
+            <a:r>
+              <a:rPr lang="en-US" sz="1000" b="1" i="1" dirty="0"/>
+              <a:t>./Models/Wafer Model/Wafer </a:t>
+            </a:r>
+            <a:r>
+              <a:rPr lang="en-US" sz="1000" b="1" i="1" dirty="0" err="1"/>
+              <a:t>Model.step</a:t>
+            </a:r>
+            <a:endParaRPr lang="en-US" sz="1000" b="1" i="1" dirty="0"/>
+          </a:p>
+        </p:txBody>
+      </p:sp>
+      <p:sp>
+        <p:nvSpPr>
+          <p:cNvPr id="28" name="TextBox 27">
+            <a:extLst>
+              <a:ext uri="{FF2B5EF4-FFF2-40B4-BE49-F238E27FC236}">
+                <a16:creationId xmlns:a16="http://schemas.microsoft.com/office/drawing/2014/main" id="{58D6C07C-DA01-2397-70BD-909B43E899E0}"/>
+              </a:ext>
+            </a:extLst>
+          </p:cNvPr>
+          <p:cNvSpPr txBox="1"/>
+          <p:nvPr/>
+        </p:nvSpPr>
+        <p:spPr>
+          <a:xfrm>
+            <a:off x="4347341" y="4044689"/>
+            <a:ext cx="3339629" cy="246221"/>
+          </a:xfrm>
+          <a:prstGeom prst="rect">
+            <a:avLst/>
+          </a:prstGeom>
+          <a:noFill/>
+          <a:ln>
+            <a:noFill/>
+          </a:ln>
+        </p:spPr>
+        <p:txBody>
+          <a:bodyPr wrap="square" rtlCol="0">
+            <a:spAutoFit/>
+          </a:bodyPr>
+          <a:lstStyle/>
+          <a:p>
+            <a:r>
+              <a:rPr lang="en-US" sz="1000" b="1" i="1" dirty="0"/>
+              <a:t>./DXF/</a:t>
+            </a:r>
+            <a:r>
+              <a:rPr lang="en-US" sz="1000" b="1" i="1" dirty="0" err="1"/>
+              <a:t>Name.dxf</a:t>
+            </a:r>
+            <a:endParaRPr lang="en-US" sz="1000" b="1" i="1" dirty="0"/>
+          </a:p>
+        </p:txBody>
+      </p:sp>
+    </p:spTree>
+    <p:extLst>
+      <p:ext uri="{BB962C8B-B14F-4D97-AF65-F5344CB8AC3E}">
+        <p14:creationId xmlns:p14="http://schemas.microsoft.com/office/powerpoint/2010/main" val="257874297"/>
+      </p:ext>
+    </p:extLst>
+  </p:cSld>
+  <p:clrMapOvr>
+    <a:masterClrMapping/>
+  </p:clrMapOvr>
+</p:sld>
+</file>
+
+<file path=ppt/slides/slide2.xml><?xml version="1.0" encoding="utf-8"?>
+<p:sld xmlns:a="http://schemas.openxmlformats.org/drawingml/2006/main" xmlns:r="http://schemas.openxmlformats.org/officeDocument/2006/relationships" xmlns:p="http://schemas.openxmlformats.org/presentationml/2006/main">
+  <p:cSld>
+    <p:spTree>
+      <p:nvGrpSpPr>
+        <p:cNvPr id="1" name=""/>
+        <p:cNvGrpSpPr/>
+        <p:nvPr/>
+      </p:nvGrpSpPr>
+      <p:grpSpPr>
+        <a:xfrm>
+          <a:off x="0" y="0"/>
+          <a:ext cx="0" cy="0"/>
+          <a:chOff x="0" y="0"/>
+          <a:chExt cx="0" cy="0"/>
+        </a:xfrm>
+      </p:grpSpPr>
       <p:grpSp>
         <p:nvGrpSpPr>
           <p:cNvPr id="35" name="Group 34">
@@ -3620,7 +4642,7 @@
 </p:sld>
 </file>
 
-<file path=ppt/slides/slide2.xml><?xml version="1.0" encoding="utf-8"?>
+<file path=ppt/slides/slide3.xml><?xml version="1.0" encoding="utf-8"?>
 <p:sld xmlns:a="http://schemas.openxmlformats.org/drawingml/2006/main" xmlns:r="http://schemas.openxmlformats.org/officeDocument/2006/relationships" xmlns:p="http://schemas.openxmlformats.org/presentationml/2006/main">
   <p:cSld>
     <p:spTree>
@@ -4029,7 +5051,7 @@
 </p:sld>
 </file>
 
-<file path=ppt/slides/slide3.xml><?xml version="1.0" encoding="utf-8"?>
+<file path=ppt/slides/slide4.xml><?xml version="1.0" encoding="utf-8"?>
 <p:sld xmlns:a="http://schemas.openxmlformats.org/drawingml/2006/main" xmlns:r="http://schemas.openxmlformats.org/officeDocument/2006/relationships" xmlns:p="http://schemas.openxmlformats.org/presentationml/2006/main">
   <p:cSld>
     <p:spTree>
@@ -4310,8 +5332,8 @@
         </p:nvSpPr>
         <p:spPr>
           <a:xfrm>
-            <a:off x="0" y="1542293"/>
-            <a:ext cx="2445026" cy="461665"/>
+            <a:off x="0" y="1475365"/>
+            <a:ext cx="2445026" cy="830997"/>
           </a:xfrm>
           <a:prstGeom prst="rect">
             <a:avLst/>
@@ -4330,7 +5352,7 @@
             <a:pPr algn="ctr"/>
             <a:r>
               <a:rPr lang="en-US" sz="2400" b="1" u="sng" dirty="0"/>
-              <a:t>Metal Contact 1</a:t>
+              <a:t>Base Conductor Mask</a:t>
             </a:r>
           </a:p>
         </p:txBody>
@@ -4527,7 +5549,7 @@
 </p:sld>
 </file>
 
-<file path=ppt/slides/slide4.xml><?xml version="1.0" encoding="utf-8"?>
+<file path=ppt/slides/slide5.xml><?xml version="1.0" encoding="utf-8"?>
 <p:sld xmlns:a="http://schemas.openxmlformats.org/drawingml/2006/main" xmlns:r="http://schemas.openxmlformats.org/officeDocument/2006/relationships" xmlns:p="http://schemas.openxmlformats.org/presentationml/2006/main">
   <p:cSld>
     <p:spTree>
@@ -4818,10 +5840,10 @@
       </p:grpSp>
       <p:sp>
         <p:nvSpPr>
-          <p:cNvPr id="12" name="TextBox 11">
-            <a:extLst>
-              <a:ext uri="{FF2B5EF4-FFF2-40B4-BE49-F238E27FC236}">
-                <a16:creationId xmlns:a16="http://schemas.microsoft.com/office/drawing/2014/main" id="{0D400B4E-F6E8-E60F-8D9B-93EE9CB39155}"/>
+          <p:cNvPr id="13" name="TextBox 12">
+            <a:extLst>
+              <a:ext uri="{FF2B5EF4-FFF2-40B4-BE49-F238E27FC236}">
+                <a16:creationId xmlns:a16="http://schemas.microsoft.com/office/drawing/2014/main" id="{3EF86B3D-2BE3-4D15-0C13-7C204DA9A589}"/>
               </a:ext>
             </a:extLst>
           </p:cNvPr>
@@ -4830,8 +5852,8 @@
         </p:nvSpPr>
         <p:spPr>
           <a:xfrm>
-            <a:off x="0" y="4707831"/>
-            <a:ext cx="2438400" cy="830997"/>
+            <a:off x="-48128" y="1406640"/>
+            <a:ext cx="2526632" cy="461665"/>
           </a:xfrm>
           <a:prstGeom prst="rect">
             <a:avLst/>
@@ -4850,53 +5872,7 @@
             <a:pPr algn="ctr"/>
             <a:r>
               <a:rPr lang="en-US" sz="2400" b="1" u="sng" dirty="0"/>
-              <a:t>Metal Contact</a:t>
-            </a:r>
-          </a:p>
-          <a:p>
-            <a:pPr algn="ctr"/>
-            <a:r>
-              <a:rPr lang="en-US" sz="2400" b="1" u="sng" dirty="0"/>
-              <a:t>Thickener</a:t>
-            </a:r>
-          </a:p>
-        </p:txBody>
-      </p:sp>
-      <p:sp>
-        <p:nvSpPr>
-          <p:cNvPr id="13" name="TextBox 12">
-            <a:extLst>
-              <a:ext uri="{FF2B5EF4-FFF2-40B4-BE49-F238E27FC236}">
-                <a16:creationId xmlns:a16="http://schemas.microsoft.com/office/drawing/2014/main" id="{3EF86B3D-2BE3-4D15-0C13-7C204DA9A589}"/>
-              </a:ext>
-            </a:extLst>
-          </p:cNvPr>
-          <p:cNvSpPr txBox="1"/>
-          <p:nvPr/>
-        </p:nvSpPr>
-        <p:spPr>
-          <a:xfrm>
-            <a:off x="0" y="1542293"/>
-            <a:ext cx="2438400" cy="461665"/>
-          </a:xfrm>
-          <a:prstGeom prst="rect">
-            <a:avLst/>
-          </a:prstGeom>
-          <a:noFill/>
-          <a:ln>
-            <a:noFill/>
-          </a:ln>
-        </p:spPr>
-        <p:txBody>
-          <a:bodyPr wrap="square" rtlCol="0">
-            <a:spAutoFit/>
-          </a:bodyPr>
-          <a:lstStyle/>
-          <a:p>
-            <a:pPr algn="ctr"/>
-            <a:r>
-              <a:rPr lang="en-US" sz="2400" b="1" u="sng" dirty="0"/>
-              <a:t>Metal Contact 2</a:t>
+              <a:t>Top Conductor 1</a:t>
             </a:r>
           </a:p>
         </p:txBody>
@@ -4979,42 +5955,12 @@
           </a:p>
         </p:txBody>
       </p:sp>
-    </p:spTree>
-    <p:extLst>
-      <p:ext uri="{BB962C8B-B14F-4D97-AF65-F5344CB8AC3E}">
-        <p14:creationId xmlns:p14="http://schemas.microsoft.com/office/powerpoint/2010/main" val="2512606963"/>
-      </p:ext>
-    </p:extLst>
-  </p:cSld>
-  <p:clrMapOvr>
-    <a:masterClrMapping/>
-  </p:clrMapOvr>
-</p:sld>
-</file>
-
-<file path=ppt/slides/slide5.xml><?xml version="1.0" encoding="utf-8"?>
-<p:sld xmlns:a="http://schemas.openxmlformats.org/drawingml/2006/main" xmlns:r="http://schemas.openxmlformats.org/officeDocument/2006/relationships" xmlns:p="http://schemas.openxmlformats.org/presentationml/2006/main">
-  <p:cSld>
-    <p:spTree>
-      <p:nvGrpSpPr>
-        <p:cNvPr id="1" name=""/>
-        <p:cNvGrpSpPr/>
-        <p:nvPr/>
-      </p:nvGrpSpPr>
-      <p:grpSpPr>
-        <a:xfrm>
-          <a:off x="0" y="0"/>
-          <a:ext cx="0" cy="0"/>
-          <a:chOff x="0" y="0"/>
-          <a:chExt cx="0" cy="0"/>
-        </a:xfrm>
-      </p:grpSpPr>
-      <p:sp>
-        <p:nvSpPr>
-          <p:cNvPr id="4" name="TextBox 3">
-            <a:extLst>
-              <a:ext uri="{FF2B5EF4-FFF2-40B4-BE49-F238E27FC236}">
-                <a16:creationId xmlns:a16="http://schemas.microsoft.com/office/drawing/2014/main" id="{C26FCC11-0F87-4341-2FB5-27FDC1BA6D07}"/>
+      <p:sp>
+        <p:nvSpPr>
+          <p:cNvPr id="15" name="TextBox 14">
+            <a:extLst>
+              <a:ext uri="{FF2B5EF4-FFF2-40B4-BE49-F238E27FC236}">
+                <a16:creationId xmlns:a16="http://schemas.microsoft.com/office/drawing/2014/main" id="{BE9D87A5-97BB-1AA1-E5CB-E36558C2AD0A}"/>
               </a:ext>
             </a:extLst>
           </p:cNvPr>
@@ -5023,17 +5969,15 @@
         </p:nvSpPr>
         <p:spPr>
           <a:xfrm>
-            <a:off x="3165475" y="156006"/>
-            <a:ext cx="5861050" cy="646331"/>
+            <a:off x="-52480" y="4892496"/>
+            <a:ext cx="2526632" cy="461665"/>
           </a:xfrm>
           <a:prstGeom prst="rect">
             <a:avLst/>
           </a:prstGeom>
           <a:noFill/>
           <a:ln>
-            <a:solidFill>
-              <a:schemeClr val="tx1"/>
-            </a:solidFill>
+            <a:noFill/>
           </a:ln>
         </p:spPr>
         <p:txBody>
@@ -5044,714 +5988,16 @@
           <a:p>
             <a:pPr algn="ctr"/>
             <a:r>
-              <a:rPr lang="en-US" sz="3600" b="1" u="sng" dirty="0"/>
-              <a:t>Files Available</a:t>
-            </a:r>
-          </a:p>
-        </p:txBody>
-      </p:sp>
-      <p:sp>
-        <p:nvSpPr>
-          <p:cNvPr id="5" name="TextBox 4">
-            <a:extLst>
-              <a:ext uri="{FF2B5EF4-FFF2-40B4-BE49-F238E27FC236}">
-                <a16:creationId xmlns:a16="http://schemas.microsoft.com/office/drawing/2014/main" id="{2585CB69-FE3B-947D-B032-9A0318753488}"/>
-              </a:ext>
-            </a:extLst>
-          </p:cNvPr>
-          <p:cNvSpPr txBox="1"/>
-          <p:nvPr/>
-        </p:nvSpPr>
-        <p:spPr>
-          <a:xfrm>
-            <a:off x="603250" y="1146683"/>
-            <a:ext cx="3378198" cy="461665"/>
-          </a:xfrm>
-          <a:prstGeom prst="rect">
-            <a:avLst/>
-          </a:prstGeom>
-          <a:noFill/>
-          <a:ln>
-            <a:solidFill>
-              <a:schemeClr val="tx1"/>
-            </a:solidFill>
-          </a:ln>
-        </p:spPr>
-        <p:txBody>
-          <a:bodyPr wrap="square" rtlCol="0">
-            <a:spAutoFit/>
-          </a:bodyPr>
-          <a:lstStyle/>
-          <a:p>
-            <a:pPr algn="ctr"/>
-            <a:r>
-              <a:rPr lang="en-US" sz="2400" b="1" dirty="0"/>
-              <a:t>3D CAD </a:t>
-            </a:r>
-            <a:r>
-              <a:rPr lang="en-US" sz="2400" dirty="0"/>
-              <a:t> [ </a:t>
-            </a:r>
-            <a:r>
-              <a:rPr lang="en-US" sz="2400" i="1" dirty="0"/>
-              <a:t>.step </a:t>
-            </a:r>
-            <a:r>
-              <a:rPr lang="en-US" sz="2400" dirty="0"/>
-              <a:t>]</a:t>
-            </a:r>
-            <a:endParaRPr lang="en-US" sz="2400" i="1" dirty="0"/>
-          </a:p>
-        </p:txBody>
-      </p:sp>
-      <p:sp>
-        <p:nvSpPr>
-          <p:cNvPr id="6" name="TextBox 5">
-            <a:extLst>
-              <a:ext uri="{FF2B5EF4-FFF2-40B4-BE49-F238E27FC236}">
-                <a16:creationId xmlns:a16="http://schemas.microsoft.com/office/drawing/2014/main" id="{1544E80C-1E22-49D0-080D-7F59ED274BD1}"/>
-              </a:ext>
-            </a:extLst>
-          </p:cNvPr>
-          <p:cNvSpPr txBox="1"/>
-          <p:nvPr/>
-        </p:nvSpPr>
-        <p:spPr>
-          <a:xfrm>
-            <a:off x="4406901" y="1147832"/>
-            <a:ext cx="3378198" cy="461665"/>
-          </a:xfrm>
-          <a:prstGeom prst="rect">
-            <a:avLst/>
-          </a:prstGeom>
-          <a:noFill/>
-          <a:ln>
-            <a:solidFill>
-              <a:schemeClr val="tx1"/>
-            </a:solidFill>
-          </a:ln>
-        </p:spPr>
-        <p:txBody>
-          <a:bodyPr wrap="square" rtlCol="0">
-            <a:spAutoFit/>
-          </a:bodyPr>
-          <a:lstStyle/>
-          <a:p>
-            <a:pPr algn="ctr"/>
-            <a:r>
-              <a:rPr lang="en-US" sz="2400" b="1" dirty="0"/>
-              <a:t>2D CAD </a:t>
-            </a:r>
-            <a:r>
-              <a:rPr lang="en-US" sz="2400" dirty="0"/>
-              <a:t>[ </a:t>
-            </a:r>
-            <a:r>
-              <a:rPr lang="en-US" sz="2400" i="1" dirty="0"/>
-              <a:t>.</a:t>
-            </a:r>
-            <a:r>
-              <a:rPr lang="en-US" sz="2400" i="1" dirty="0" err="1"/>
-              <a:t>dxf</a:t>
-            </a:r>
-            <a:r>
-              <a:rPr lang="en-US" sz="2400" i="1" dirty="0"/>
-              <a:t> </a:t>
-            </a:r>
-            <a:r>
-              <a:rPr lang="en-US" sz="2400" dirty="0"/>
-              <a:t>]</a:t>
-            </a:r>
-            <a:endParaRPr lang="en-US" sz="2400" i="1" dirty="0"/>
-          </a:p>
-        </p:txBody>
-      </p:sp>
-      <p:sp>
-        <p:nvSpPr>
-          <p:cNvPr id="7" name="TextBox 6">
-            <a:extLst>
-              <a:ext uri="{FF2B5EF4-FFF2-40B4-BE49-F238E27FC236}">
-                <a16:creationId xmlns:a16="http://schemas.microsoft.com/office/drawing/2014/main" id="{5C6AE7C9-FA12-475A-7BC2-6EEE5DD0B878}"/>
-              </a:ext>
-            </a:extLst>
-          </p:cNvPr>
-          <p:cNvSpPr txBox="1"/>
-          <p:nvPr/>
-        </p:nvSpPr>
-        <p:spPr>
-          <a:xfrm>
-            <a:off x="4406902" y="3600317"/>
-            <a:ext cx="3378197" cy="461665"/>
-          </a:xfrm>
-          <a:prstGeom prst="rect">
-            <a:avLst/>
-          </a:prstGeom>
-          <a:noFill/>
-          <a:ln>
-            <a:solidFill>
-              <a:schemeClr val="tx1"/>
-            </a:solidFill>
-          </a:ln>
-        </p:spPr>
-        <p:txBody>
-          <a:bodyPr wrap="square" rtlCol="0">
-            <a:spAutoFit/>
-          </a:bodyPr>
-          <a:lstStyle/>
-          <a:p>
-            <a:pPr algn="ctr"/>
-            <a:r>
-              <a:rPr lang="en-US" sz="2400" b="1" dirty="0"/>
-              <a:t>Drawings </a:t>
-            </a:r>
-            <a:r>
-              <a:rPr lang="en-US" sz="2400" dirty="0"/>
-              <a:t>[ </a:t>
-            </a:r>
-            <a:r>
-              <a:rPr lang="en-US" sz="2400" i="1" dirty="0"/>
-              <a:t>.pdf </a:t>
-            </a:r>
-            <a:r>
-              <a:rPr lang="en-US" sz="2400" dirty="0"/>
-              <a:t>]</a:t>
-            </a:r>
-            <a:endParaRPr lang="en-US" sz="2400" i="1" dirty="0"/>
-          </a:p>
-        </p:txBody>
-      </p:sp>
-      <p:grpSp>
-        <p:nvGrpSpPr>
-          <p:cNvPr id="2" name="Group 1">
-            <a:extLst>
-              <a:ext uri="{FF2B5EF4-FFF2-40B4-BE49-F238E27FC236}">
-                <a16:creationId xmlns:a16="http://schemas.microsoft.com/office/drawing/2014/main" id="{4DF801D7-B205-525B-22A5-8302AEDF3866}"/>
-              </a:ext>
-            </a:extLst>
-          </p:cNvPr>
-          <p:cNvGrpSpPr/>
-          <p:nvPr/>
-        </p:nvGrpSpPr>
-        <p:grpSpPr>
-          <a:xfrm>
-            <a:off x="684212" y="1868382"/>
-            <a:ext cx="3216274" cy="4659245"/>
-            <a:chOff x="508001" y="1809132"/>
-            <a:chExt cx="3216274" cy="4659245"/>
-          </a:xfrm>
-        </p:grpSpPr>
-        <p:pic>
-          <p:nvPicPr>
-            <p:cNvPr id="15" name="Picture 14">
-              <a:extLst>
-                <a:ext uri="{FF2B5EF4-FFF2-40B4-BE49-F238E27FC236}">
-                  <a16:creationId xmlns:a16="http://schemas.microsoft.com/office/drawing/2014/main" id="{EBE5693C-D3AB-7C81-2517-F73630029548}"/>
-                </a:ext>
-              </a:extLst>
-            </p:cNvPr>
-            <p:cNvPicPr>
-              <a:picLocks noChangeAspect="1"/>
-            </p:cNvPicPr>
-            <p:nvPr/>
-          </p:nvPicPr>
-          <p:blipFill>
-            <a:blip r:embed="rId2"/>
-            <a:srcRect l="7733" t="9905" r="4196" b="22577"/>
-            <a:stretch/>
-          </p:blipFill>
-          <p:spPr>
-            <a:xfrm>
-              <a:off x="603251" y="1809132"/>
-              <a:ext cx="3038474" cy="1225474"/>
-            </a:xfrm>
-            <a:prstGeom prst="rect">
-              <a:avLst/>
-            </a:prstGeom>
-          </p:spPr>
-        </p:pic>
-        <p:pic>
-          <p:nvPicPr>
-            <p:cNvPr id="17" name="Picture 16">
-              <a:extLst>
-                <a:ext uri="{FF2B5EF4-FFF2-40B4-BE49-F238E27FC236}">
-                  <a16:creationId xmlns:a16="http://schemas.microsoft.com/office/drawing/2014/main" id="{68556984-02DF-4DEB-2BC6-D79BC4C45B66}"/>
-                </a:ext>
-              </a:extLst>
-            </p:cNvPr>
-            <p:cNvPicPr>
-              <a:picLocks noChangeAspect="1"/>
-            </p:cNvPicPr>
-            <p:nvPr/>
-          </p:nvPicPr>
-          <p:blipFill>
-            <a:blip r:embed="rId3"/>
-            <a:srcRect l="4948" t="11474" r="8438" b="11397"/>
-            <a:stretch/>
-          </p:blipFill>
-          <p:spPr>
-            <a:xfrm>
-              <a:off x="508001" y="3525582"/>
-              <a:ext cx="3216274" cy="1112866"/>
-            </a:xfrm>
-            <a:prstGeom prst="rect">
-              <a:avLst/>
-            </a:prstGeom>
-          </p:spPr>
-        </p:pic>
-        <p:pic>
-          <p:nvPicPr>
-            <p:cNvPr id="19" name="Picture 18">
-              <a:extLst>
-                <a:ext uri="{FF2B5EF4-FFF2-40B4-BE49-F238E27FC236}">
-                  <a16:creationId xmlns:a16="http://schemas.microsoft.com/office/drawing/2014/main" id="{95684239-5B92-1CF3-E077-DB10FAD31C9D}"/>
-                </a:ext>
-              </a:extLst>
-            </p:cNvPr>
-            <p:cNvPicPr>
-              <a:picLocks noChangeAspect="1"/>
-            </p:cNvPicPr>
-            <p:nvPr/>
-          </p:nvPicPr>
-          <p:blipFill>
-            <a:blip r:embed="rId4"/>
-            <a:srcRect l="8725" t="8665" r="7576" b="8789"/>
-            <a:stretch/>
-          </p:blipFill>
-          <p:spPr>
-            <a:xfrm>
-              <a:off x="805048" y="5046635"/>
-              <a:ext cx="2634880" cy="1217648"/>
-            </a:xfrm>
-            <a:prstGeom prst="rect">
-              <a:avLst/>
-            </a:prstGeom>
-          </p:spPr>
-        </p:pic>
-        <p:sp>
-          <p:nvSpPr>
-            <p:cNvPr id="20" name="TextBox 19">
-              <a:extLst>
-                <a:ext uri="{FF2B5EF4-FFF2-40B4-BE49-F238E27FC236}">
-                  <a16:creationId xmlns:a16="http://schemas.microsoft.com/office/drawing/2014/main" id="{33591D96-1B31-2089-0DB4-30E37E99FEAF}"/>
-                </a:ext>
-              </a:extLst>
-            </p:cNvPr>
-            <p:cNvSpPr txBox="1"/>
-            <p:nvPr/>
-          </p:nvSpPr>
-          <p:spPr>
-            <a:xfrm>
-              <a:off x="2244727" y="2967517"/>
-              <a:ext cx="1273174" cy="246221"/>
-            </a:xfrm>
-            <a:prstGeom prst="rect">
-              <a:avLst/>
-            </a:prstGeom>
-            <a:noFill/>
-            <a:ln>
-              <a:noFill/>
-            </a:ln>
-          </p:spPr>
-          <p:txBody>
-            <a:bodyPr wrap="square" rtlCol="0">
-              <a:spAutoFit/>
-            </a:bodyPr>
-            <a:lstStyle/>
-            <a:p>
-              <a:pPr algn="ctr"/>
-              <a:r>
-                <a:rPr lang="en-US" sz="1000" dirty="0"/>
-                <a:t>4x Shadow Masks</a:t>
-              </a:r>
-            </a:p>
-          </p:txBody>
-        </p:sp>
-        <p:sp>
-          <p:nvSpPr>
-            <p:cNvPr id="21" name="TextBox 20">
-              <a:extLst>
-                <a:ext uri="{FF2B5EF4-FFF2-40B4-BE49-F238E27FC236}">
-                  <a16:creationId xmlns:a16="http://schemas.microsoft.com/office/drawing/2014/main" id="{24C63773-9D3A-3CFC-3A1D-041466056947}"/>
-                </a:ext>
-              </a:extLst>
-            </p:cNvPr>
-            <p:cNvSpPr txBox="1"/>
-            <p:nvPr/>
-          </p:nvSpPr>
-          <p:spPr>
-            <a:xfrm>
-              <a:off x="2244727" y="4558220"/>
-              <a:ext cx="1273174" cy="246221"/>
-            </a:xfrm>
-            <a:prstGeom prst="rect">
-              <a:avLst/>
-            </a:prstGeom>
-            <a:noFill/>
-            <a:ln>
-              <a:noFill/>
-            </a:ln>
-          </p:spPr>
-          <p:txBody>
-            <a:bodyPr wrap="square" rtlCol="0">
-              <a:spAutoFit/>
-            </a:bodyPr>
-            <a:lstStyle/>
-            <a:p>
-              <a:pPr algn="ctr"/>
-              <a:r>
-                <a:rPr lang="en-US" sz="1000" dirty="0"/>
-                <a:t>Mask Aligner</a:t>
-              </a:r>
-            </a:p>
-          </p:txBody>
-        </p:sp>
-        <p:sp>
-          <p:nvSpPr>
-            <p:cNvPr id="22" name="TextBox 21">
-              <a:extLst>
-                <a:ext uri="{FF2B5EF4-FFF2-40B4-BE49-F238E27FC236}">
-                  <a16:creationId xmlns:a16="http://schemas.microsoft.com/office/drawing/2014/main" id="{48343A6B-D0C0-27DA-2FD3-A4F544C52DEE}"/>
-                </a:ext>
-              </a:extLst>
-            </p:cNvPr>
-            <p:cNvSpPr txBox="1"/>
-            <p:nvPr/>
-          </p:nvSpPr>
-          <p:spPr>
-            <a:xfrm>
-              <a:off x="2244727" y="6222156"/>
-              <a:ext cx="1273174" cy="246221"/>
-            </a:xfrm>
-            <a:prstGeom prst="rect">
-              <a:avLst/>
-            </a:prstGeom>
-            <a:noFill/>
-            <a:ln>
-              <a:noFill/>
-            </a:ln>
-          </p:spPr>
-          <p:txBody>
-            <a:bodyPr wrap="square" rtlCol="0">
-              <a:spAutoFit/>
-            </a:bodyPr>
-            <a:lstStyle/>
-            <a:p>
-              <a:pPr algn="ctr"/>
-              <a:r>
-                <a:rPr lang="en-US" sz="1000" dirty="0"/>
-                <a:t>Wafer Model</a:t>
-              </a:r>
-            </a:p>
-          </p:txBody>
-        </p:sp>
-      </p:grpSp>
-      <p:grpSp>
-        <p:nvGrpSpPr>
-          <p:cNvPr id="23" name="Group 22">
-            <a:extLst>
-              <a:ext uri="{FF2B5EF4-FFF2-40B4-BE49-F238E27FC236}">
-                <a16:creationId xmlns:a16="http://schemas.microsoft.com/office/drawing/2014/main" id="{7B0E889B-2A68-1CC2-85BF-281168F8C953}"/>
-              </a:ext>
-            </a:extLst>
-          </p:cNvPr>
-          <p:cNvGrpSpPr/>
-          <p:nvPr/>
-        </p:nvGrpSpPr>
-        <p:grpSpPr>
-          <a:xfrm>
-            <a:off x="8752074" y="1868382"/>
-            <a:ext cx="2216739" cy="4365394"/>
-            <a:chOff x="5325137" y="2051705"/>
-            <a:chExt cx="2503560" cy="4951630"/>
-          </a:xfrm>
-        </p:grpSpPr>
-        <p:pic>
-          <p:nvPicPr>
-            <p:cNvPr id="24" name="Picture 23">
-              <a:extLst>
-                <a:ext uri="{FF2B5EF4-FFF2-40B4-BE49-F238E27FC236}">
-                  <a16:creationId xmlns:a16="http://schemas.microsoft.com/office/drawing/2014/main" id="{F26C3947-665E-93EE-5AA4-61A843F84C22}"/>
-                </a:ext>
-              </a:extLst>
-            </p:cNvPr>
-            <p:cNvPicPr>
-              <a:picLocks noChangeAspect="1"/>
-            </p:cNvPicPr>
-            <p:nvPr/>
-          </p:nvPicPr>
-          <p:blipFill>
-            <a:blip r:embed="rId5"/>
-            <a:stretch>
-              <a:fillRect/>
-            </a:stretch>
-          </p:blipFill>
-          <p:spPr>
-            <a:xfrm>
-              <a:off x="5325137" y="2051705"/>
-              <a:ext cx="2017486" cy="2861623"/>
-            </a:xfrm>
-            <a:prstGeom prst="rect">
-              <a:avLst/>
-            </a:prstGeom>
-            <a:ln>
-              <a:solidFill>
-                <a:schemeClr val="tx1"/>
-              </a:solidFill>
-            </a:ln>
-          </p:spPr>
-        </p:pic>
-        <p:pic>
-          <p:nvPicPr>
-            <p:cNvPr id="25" name="Picture 24">
-              <a:extLst>
-                <a:ext uri="{FF2B5EF4-FFF2-40B4-BE49-F238E27FC236}">
-                  <a16:creationId xmlns:a16="http://schemas.microsoft.com/office/drawing/2014/main" id="{BEB7B91A-CDA6-D565-1CD6-D2A89577B1D2}"/>
-                </a:ext>
-              </a:extLst>
-            </p:cNvPr>
-            <p:cNvPicPr>
-              <a:picLocks noChangeAspect="1"/>
-            </p:cNvPicPr>
-            <p:nvPr/>
-          </p:nvPicPr>
-          <p:blipFill>
-            <a:blip r:embed="rId6"/>
-            <a:stretch>
-              <a:fillRect/>
-            </a:stretch>
-          </p:blipFill>
-          <p:spPr>
-            <a:xfrm>
-              <a:off x="5600497" y="3141783"/>
-              <a:ext cx="1959806" cy="2796209"/>
-            </a:xfrm>
-            <a:prstGeom prst="rect">
-              <a:avLst/>
-            </a:prstGeom>
-            <a:ln>
-              <a:solidFill>
-                <a:schemeClr val="tx1"/>
-              </a:solidFill>
-            </a:ln>
-          </p:spPr>
-        </p:pic>
-        <p:pic>
-          <p:nvPicPr>
-            <p:cNvPr id="26" name="Picture 25">
-              <a:extLst>
-                <a:ext uri="{FF2B5EF4-FFF2-40B4-BE49-F238E27FC236}">
-                  <a16:creationId xmlns:a16="http://schemas.microsoft.com/office/drawing/2014/main" id="{977457B0-B5A4-6050-AA3C-897D29A3FD90}"/>
-                </a:ext>
-              </a:extLst>
-            </p:cNvPr>
-            <p:cNvPicPr>
-              <a:picLocks noChangeAspect="1"/>
-            </p:cNvPicPr>
-            <p:nvPr/>
-          </p:nvPicPr>
-          <p:blipFill>
-            <a:blip r:embed="rId7"/>
-            <a:stretch>
-              <a:fillRect/>
-            </a:stretch>
-          </p:blipFill>
-          <p:spPr>
-            <a:xfrm>
-              <a:off x="5868611" y="4207129"/>
-              <a:ext cx="1960086" cy="2796206"/>
-            </a:xfrm>
-            <a:prstGeom prst="rect">
-              <a:avLst/>
-            </a:prstGeom>
-            <a:ln>
-              <a:solidFill>
-                <a:schemeClr val="tx1"/>
-              </a:solidFill>
-            </a:ln>
-          </p:spPr>
-        </p:pic>
-      </p:grpSp>
-      <p:sp>
-        <p:nvSpPr>
-          <p:cNvPr id="27" name="TextBox 26">
-            <a:extLst>
-              <a:ext uri="{FF2B5EF4-FFF2-40B4-BE49-F238E27FC236}">
-                <a16:creationId xmlns:a16="http://schemas.microsoft.com/office/drawing/2014/main" id="{302DF6B7-E690-8943-0A52-F0FD87FFB52C}"/>
-              </a:ext>
-            </a:extLst>
-          </p:cNvPr>
-          <p:cNvSpPr txBox="1"/>
-          <p:nvPr/>
-        </p:nvSpPr>
-        <p:spPr>
-          <a:xfrm>
-            <a:off x="8210552" y="1142240"/>
-            <a:ext cx="3378198" cy="461665"/>
-          </a:xfrm>
-          <a:prstGeom prst="rect">
-            <a:avLst/>
-          </a:prstGeom>
-          <a:noFill/>
-          <a:ln>
-            <a:solidFill>
-              <a:schemeClr val="tx1"/>
-            </a:solidFill>
-          </a:ln>
-        </p:spPr>
-        <p:txBody>
-          <a:bodyPr wrap="square" rtlCol="0">
-            <a:spAutoFit/>
-          </a:bodyPr>
-          <a:lstStyle/>
-          <a:p>
-            <a:pPr algn="ctr"/>
-            <a:r>
-              <a:rPr lang="en-US" sz="2400" b="1" dirty="0"/>
-              <a:t>Academic Paper </a:t>
-            </a:r>
-            <a:r>
-              <a:rPr lang="en-US" sz="2400" dirty="0"/>
-              <a:t>[ </a:t>
-            </a:r>
-            <a:r>
-              <a:rPr lang="en-US" sz="2400" i="1" dirty="0"/>
-              <a:t>.pdf </a:t>
-            </a:r>
-            <a:r>
-              <a:rPr lang="en-US" sz="2400" dirty="0"/>
-              <a:t>]</a:t>
-            </a:r>
-            <a:endParaRPr lang="en-US" sz="2400" i="1" dirty="0"/>
-          </a:p>
-        </p:txBody>
-      </p:sp>
-      <p:pic>
-        <p:nvPicPr>
-          <p:cNvPr id="3" name="Picture 2">
-            <a:extLst>
-              <a:ext uri="{FF2B5EF4-FFF2-40B4-BE49-F238E27FC236}">
-                <a16:creationId xmlns:a16="http://schemas.microsoft.com/office/drawing/2014/main" id="{E790FCEF-998D-DC18-A6A9-0B6F49EC01D6}"/>
-              </a:ext>
-            </a:extLst>
-          </p:cNvPr>
-          <p:cNvPicPr>
-            <a:picLocks noChangeAspect="1"/>
-          </p:cNvPicPr>
-          <p:nvPr/>
-        </p:nvPicPr>
-        <p:blipFill>
-          <a:blip r:embed="rId8"/>
-          <a:stretch>
-            <a:fillRect/>
-          </a:stretch>
-        </p:blipFill>
-        <p:spPr>
-          <a:xfrm>
-            <a:off x="4223156" y="4141265"/>
-            <a:ext cx="3745688" cy="2416818"/>
-          </a:xfrm>
-          <a:prstGeom prst="rect">
-            <a:avLst/>
-          </a:prstGeom>
-          <a:ln w="3175">
-            <a:solidFill>
-              <a:schemeClr val="tx1"/>
-            </a:solidFill>
-          </a:ln>
-        </p:spPr>
-      </p:pic>
-      <p:pic>
-        <p:nvPicPr>
-          <p:cNvPr id="9" name="Picture 8">
-            <a:extLst>
-              <a:ext uri="{FF2B5EF4-FFF2-40B4-BE49-F238E27FC236}">
-                <a16:creationId xmlns:a16="http://schemas.microsoft.com/office/drawing/2014/main" id="{120A6B85-FCDE-3631-3F8E-FBEA9997CB49}"/>
-              </a:ext>
-            </a:extLst>
-          </p:cNvPr>
-          <p:cNvPicPr>
-            <a:picLocks noChangeAspect="1"/>
-          </p:cNvPicPr>
-          <p:nvPr/>
-        </p:nvPicPr>
-        <p:blipFill>
-          <a:blip r:embed="rId9"/>
-          <a:srcRect l="6187" t="4273" r="5388" b="7313"/>
-          <a:stretch/>
-        </p:blipFill>
-        <p:spPr>
-          <a:xfrm>
-            <a:off x="6156325" y="1775096"/>
-            <a:ext cx="1669530" cy="1659982"/>
-          </a:xfrm>
-          <a:prstGeom prst="rect">
-            <a:avLst/>
-          </a:prstGeom>
-        </p:spPr>
-      </p:pic>
-      <p:pic>
-        <p:nvPicPr>
-          <p:cNvPr id="11" name="Picture 10">
-            <a:extLst>
-              <a:ext uri="{FF2B5EF4-FFF2-40B4-BE49-F238E27FC236}">
-                <a16:creationId xmlns:a16="http://schemas.microsoft.com/office/drawing/2014/main" id="{DB81CE09-B4CC-1E29-1466-E70D02D53A0C}"/>
-              </a:ext>
-            </a:extLst>
-          </p:cNvPr>
-          <p:cNvPicPr>
-            <a:picLocks noChangeAspect="1"/>
-          </p:cNvPicPr>
-          <p:nvPr/>
-        </p:nvPicPr>
-        <p:blipFill>
-          <a:blip r:embed="rId10"/>
-          <a:srcRect l="4822" t="1262" r="2689" b="1681"/>
-          <a:stretch/>
-        </p:blipFill>
-        <p:spPr>
-          <a:xfrm>
-            <a:off x="4398214" y="1809750"/>
-            <a:ext cx="1596186" cy="1590675"/>
-          </a:xfrm>
-          <a:prstGeom prst="rect">
-            <a:avLst/>
-          </a:prstGeom>
-        </p:spPr>
-      </p:pic>
-      <p:pic>
-        <p:nvPicPr>
-          <p:cNvPr id="13" name="Picture 12">
-            <a:extLst>
-              <a:ext uri="{FF2B5EF4-FFF2-40B4-BE49-F238E27FC236}">
-                <a16:creationId xmlns:a16="http://schemas.microsoft.com/office/drawing/2014/main" id="{BF9EF45C-C104-8DFE-D4B1-8DD71A305628}"/>
-              </a:ext>
-            </a:extLst>
-          </p:cNvPr>
-          <p:cNvPicPr>
-            <a:picLocks noChangeAspect="1"/>
-          </p:cNvPicPr>
-          <p:nvPr/>
-        </p:nvPicPr>
-        <p:blipFill>
-          <a:blip r:embed="rId11"/>
-          <a:stretch>
-            <a:fillRect/>
-          </a:stretch>
-        </p:blipFill>
-        <p:spPr>
-          <a:xfrm>
-            <a:off x="4398214" y="1769018"/>
-            <a:ext cx="1653872" cy="1659982"/>
-          </a:xfrm>
-          <a:prstGeom prst="rect">
-            <a:avLst/>
-          </a:prstGeom>
-        </p:spPr>
-      </p:pic>
+              <a:rPr lang="en-US" sz="2400" b="1" u="sng" dirty="0"/>
+              <a:t>Top Conductor 2</a:t>
+            </a:r>
+          </a:p>
+        </p:txBody>
+      </p:sp>
     </p:spTree>
     <p:extLst>
       <p:ext uri="{BB962C8B-B14F-4D97-AF65-F5344CB8AC3E}">
-        <p14:creationId xmlns:p14="http://schemas.microsoft.com/office/powerpoint/2010/main" val="257874297"/>
+        <p14:creationId xmlns:p14="http://schemas.microsoft.com/office/powerpoint/2010/main" val="2512606963"/>
       </p:ext>
     </p:extLst>
   </p:cSld>

--- a/z.ReadMeAssets/ASeGrapheneDetector.pptx
+++ b/z.ReadMeAssets/ASeGrapheneDetector.pptx
@@ -263,7 +263,7 @@
           <a:p>
             <a:fld id="{0FDF81D3-AF8D-4441-8312-2AC07D86F629}" type="datetimeFigureOut">
               <a:rPr lang="en-US" smtClean="0"/>
-              <a:t>10/7/2024</a:t>
+              <a:t>10/9/2024</a:t>
             </a:fld>
             <a:endParaRPr lang="en-US"/>
           </a:p>
@@ -461,7 +461,7 @@
           <a:p>
             <a:fld id="{0FDF81D3-AF8D-4441-8312-2AC07D86F629}" type="datetimeFigureOut">
               <a:rPr lang="en-US" smtClean="0"/>
-              <a:t>10/7/2024</a:t>
+              <a:t>10/9/2024</a:t>
             </a:fld>
             <a:endParaRPr lang="en-US"/>
           </a:p>
@@ -669,7 +669,7 @@
           <a:p>
             <a:fld id="{0FDF81D3-AF8D-4441-8312-2AC07D86F629}" type="datetimeFigureOut">
               <a:rPr lang="en-US" smtClean="0"/>
-              <a:t>10/7/2024</a:t>
+              <a:t>10/9/2024</a:t>
             </a:fld>
             <a:endParaRPr lang="en-US"/>
           </a:p>
@@ -867,7 +867,7 @@
           <a:p>
             <a:fld id="{0FDF81D3-AF8D-4441-8312-2AC07D86F629}" type="datetimeFigureOut">
               <a:rPr lang="en-US" smtClean="0"/>
-              <a:t>10/7/2024</a:t>
+              <a:t>10/9/2024</a:t>
             </a:fld>
             <a:endParaRPr lang="en-US"/>
           </a:p>
@@ -1142,7 +1142,7 @@
           <a:p>
             <a:fld id="{0FDF81D3-AF8D-4441-8312-2AC07D86F629}" type="datetimeFigureOut">
               <a:rPr lang="en-US" smtClean="0"/>
-              <a:t>10/7/2024</a:t>
+              <a:t>10/9/2024</a:t>
             </a:fld>
             <a:endParaRPr lang="en-US"/>
           </a:p>
@@ -1407,7 +1407,7 @@
           <a:p>
             <a:fld id="{0FDF81D3-AF8D-4441-8312-2AC07D86F629}" type="datetimeFigureOut">
               <a:rPr lang="en-US" smtClean="0"/>
-              <a:t>10/7/2024</a:t>
+              <a:t>10/9/2024</a:t>
             </a:fld>
             <a:endParaRPr lang="en-US"/>
           </a:p>
@@ -1819,7 +1819,7 @@
           <a:p>
             <a:fld id="{0FDF81D3-AF8D-4441-8312-2AC07D86F629}" type="datetimeFigureOut">
               <a:rPr lang="en-US" smtClean="0"/>
-              <a:t>10/7/2024</a:t>
+              <a:t>10/9/2024</a:t>
             </a:fld>
             <a:endParaRPr lang="en-US"/>
           </a:p>
@@ -1960,7 +1960,7 @@
           <a:p>
             <a:fld id="{0FDF81D3-AF8D-4441-8312-2AC07D86F629}" type="datetimeFigureOut">
               <a:rPr lang="en-US" smtClean="0"/>
-              <a:t>10/7/2024</a:t>
+              <a:t>10/9/2024</a:t>
             </a:fld>
             <a:endParaRPr lang="en-US"/>
           </a:p>
@@ -2073,7 +2073,7 @@
           <a:p>
             <a:fld id="{0FDF81D3-AF8D-4441-8312-2AC07D86F629}" type="datetimeFigureOut">
               <a:rPr lang="en-US" smtClean="0"/>
-              <a:t>10/7/2024</a:t>
+              <a:t>10/9/2024</a:t>
             </a:fld>
             <a:endParaRPr lang="en-US"/>
           </a:p>
@@ -2384,7 +2384,7 @@
           <a:p>
             <a:fld id="{0FDF81D3-AF8D-4441-8312-2AC07D86F629}" type="datetimeFigureOut">
               <a:rPr lang="en-US" smtClean="0"/>
-              <a:t>10/7/2024</a:t>
+              <a:t>10/9/2024</a:t>
             </a:fld>
             <a:endParaRPr lang="en-US"/>
           </a:p>
@@ -2672,7 +2672,7 @@
           <a:p>
             <a:fld id="{0FDF81D3-AF8D-4441-8312-2AC07D86F629}" type="datetimeFigureOut">
               <a:rPr lang="en-US" smtClean="0"/>
-              <a:t>10/7/2024</a:t>
+              <a:t>10/9/2024</a:t>
             </a:fld>
             <a:endParaRPr lang="en-US"/>
           </a:p>
@@ -2913,7 +2913,7 @@
           <a:p>
             <a:fld id="{0FDF81D3-AF8D-4441-8312-2AC07D86F629}" type="datetimeFigureOut">
               <a:rPr lang="en-US" smtClean="0"/>
-              <a:t>10/7/2024</a:t>
+              <a:t>10/9/2024</a:t>
             </a:fld>
             <a:endParaRPr lang="en-US"/>
           </a:p>
@@ -3983,10 +3983,10 @@
       </p:pic>
       <p:pic>
         <p:nvPicPr>
-          <p:cNvPr id="9" name="Picture 8">
-            <a:extLst>
-              <a:ext uri="{FF2B5EF4-FFF2-40B4-BE49-F238E27FC236}">
-                <a16:creationId xmlns:a16="http://schemas.microsoft.com/office/drawing/2014/main" id="{120A6B85-FCDE-3631-3F8E-FBEA9997CB49}"/>
+          <p:cNvPr id="11" name="Picture 10">
+            <a:extLst>
+              <a:ext uri="{FF2B5EF4-FFF2-40B4-BE49-F238E27FC236}">
+                <a16:creationId xmlns:a16="http://schemas.microsoft.com/office/drawing/2014/main" id="{DB81CE09-B4CC-1E29-1466-E70D02D53A0C}"/>
               </a:ext>
             </a:extLst>
           </p:cNvPr>
@@ -3997,35 +3997,6 @@
         </p:nvPicPr>
         <p:blipFill>
           <a:blip r:embed="rId9"/>
-          <a:srcRect l="6187" t="4273" r="5388" b="7313"/>
-          <a:stretch/>
-        </p:blipFill>
-        <p:spPr>
-          <a:xfrm>
-            <a:off x="6156325" y="1775096"/>
-            <a:ext cx="1669530" cy="1659982"/>
-          </a:xfrm>
-          <a:prstGeom prst="rect">
-            <a:avLst/>
-          </a:prstGeom>
-        </p:spPr>
-      </p:pic>
-      <p:pic>
-        <p:nvPicPr>
-          <p:cNvPr id="11" name="Picture 10">
-            <a:extLst>
-              <a:ext uri="{FF2B5EF4-FFF2-40B4-BE49-F238E27FC236}">
-                <a16:creationId xmlns:a16="http://schemas.microsoft.com/office/drawing/2014/main" id="{DB81CE09-B4CC-1E29-1466-E70D02D53A0C}"/>
-              </a:ext>
-            </a:extLst>
-          </p:cNvPr>
-          <p:cNvPicPr>
-            <a:picLocks noChangeAspect="1"/>
-          </p:cNvPicPr>
-          <p:nvPr/>
-        </p:nvPicPr>
-        <p:blipFill>
-          <a:blip r:embed="rId10"/>
           <a:srcRect l="4822" t="1262" r="2689" b="1681"/>
           <a:stretch/>
         </p:blipFill>
@@ -4054,7 +4025,7 @@
           <p:nvPr/>
         </p:nvPicPr>
         <p:blipFill>
-          <a:blip r:embed="rId11"/>
+          <a:blip r:embed="rId10"/>
           <a:stretch>
             <a:fillRect/>
           </a:stretch>
@@ -4322,6 +4293,36 @@
           </a:p>
         </p:txBody>
       </p:sp>
+      <p:pic>
+        <p:nvPicPr>
+          <p:cNvPr id="29" name="Picture 28">
+            <a:extLst>
+              <a:ext uri="{FF2B5EF4-FFF2-40B4-BE49-F238E27FC236}">
+                <a16:creationId xmlns:a16="http://schemas.microsoft.com/office/drawing/2014/main" id="{C123DEB6-04D3-50BC-9ADA-B08E1087CCA9}"/>
+              </a:ext>
+            </a:extLst>
+          </p:cNvPr>
+          <p:cNvPicPr>
+            <a:picLocks noChangeAspect="1"/>
+          </p:cNvPicPr>
+          <p:nvPr/>
+        </p:nvPicPr>
+        <p:blipFill>
+          <a:blip r:embed="rId11"/>
+          <a:stretch>
+            <a:fillRect/>
+          </a:stretch>
+        </p:blipFill>
+        <p:spPr>
+          <a:xfrm>
+            <a:off x="6091278" y="1799296"/>
+            <a:ext cx="1653872" cy="1666539"/>
+          </a:xfrm>
+          <a:prstGeom prst="rect">
+            <a:avLst/>
+          </a:prstGeom>
+        </p:spPr>
+      </p:pic>
     </p:spTree>
     <p:extLst>
       <p:ext uri="{BB962C8B-B14F-4D97-AF65-F5344CB8AC3E}">
@@ -4473,7 +4474,7 @@
               <a:pPr algn="ctr"/>
               <a:r>
                 <a:rPr lang="en-US" b="1" dirty="0"/>
-                <a:t>Testing Stand</a:t>
+                <a:t>Temperature Testing Stand</a:t>
               </a:r>
             </a:p>
           </p:txBody>

--- a/z.ReadMeAssets/ASeGrapheneDetector.pptx
+++ b/z.ReadMeAssets/ASeGrapheneDetector.pptx
@@ -4353,216 +4353,41 @@
           <a:chExt cx="0" cy="0"/>
         </a:xfrm>
       </p:grpSpPr>
-      <p:grpSp>
-        <p:nvGrpSpPr>
-          <p:cNvPr id="35" name="Group 34">
-            <a:extLst>
-              <a:ext uri="{FF2B5EF4-FFF2-40B4-BE49-F238E27FC236}">
-                <a16:creationId xmlns:a16="http://schemas.microsoft.com/office/drawing/2014/main" id="{729D0BCE-A304-BDE0-22CB-F3FC77C849EA}"/>
-              </a:ext>
-            </a:extLst>
-          </p:cNvPr>
-          <p:cNvGrpSpPr/>
+      <p:pic>
+        <p:nvPicPr>
+          <p:cNvPr id="7" name="Picture 6">
+            <a:extLst>
+              <a:ext uri="{FF2B5EF4-FFF2-40B4-BE49-F238E27FC236}">
+                <a16:creationId xmlns:a16="http://schemas.microsoft.com/office/drawing/2014/main" id="{BE9AB88E-CC30-6727-F7E5-7E59B2BFBA33}"/>
+              </a:ext>
+            </a:extLst>
+          </p:cNvPr>
+          <p:cNvPicPr>
+            <a:picLocks noChangeAspect="1"/>
+          </p:cNvPicPr>
           <p:nvPr/>
-        </p:nvGrpSpPr>
-        <p:grpSpPr>
+        </p:nvPicPr>
+        <p:blipFill>
+          <a:blip r:embed="rId2"/>
+          <a:srcRect l="10925" t="4154" r="14219" b="6703"/>
+          <a:stretch/>
+        </p:blipFill>
+        <p:spPr>
           <a:xfrm>
-            <a:off x="8515350" y="94493"/>
-            <a:ext cx="3583907" cy="6725936"/>
-            <a:chOff x="8712200" y="94493"/>
-            <a:chExt cx="3583907" cy="6725936"/>
-          </a:xfrm>
-        </p:grpSpPr>
-        <p:pic>
-          <p:nvPicPr>
-            <p:cNvPr id="7" name="Picture 6">
-              <a:extLst>
-                <a:ext uri="{FF2B5EF4-FFF2-40B4-BE49-F238E27FC236}">
-                  <a16:creationId xmlns:a16="http://schemas.microsoft.com/office/drawing/2014/main" id="{BE9AB88E-CC30-6727-F7E5-7E59B2BFBA33}"/>
-                </a:ext>
-              </a:extLst>
-            </p:cNvPr>
-            <p:cNvPicPr>
-              <a:picLocks noChangeAspect="1"/>
-            </p:cNvPicPr>
-            <p:nvPr/>
-          </p:nvPicPr>
-          <p:blipFill>
-            <a:blip r:embed="rId2"/>
-            <a:srcRect l="10925" t="4154" r="14219" b="6703"/>
-            <a:stretch/>
-          </p:blipFill>
-          <p:spPr>
-            <a:xfrm>
-              <a:off x="9073403" y="425725"/>
-              <a:ext cx="3093196" cy="5707756"/>
-            </a:xfrm>
-            <a:prstGeom prst="rect">
-              <a:avLst/>
-            </a:prstGeom>
-          </p:spPr>
-        </p:pic>
-        <p:pic>
-          <p:nvPicPr>
-            <p:cNvPr id="9" name="Picture 8" descr="A qr code with dots and circles&#10;&#10;Description automatically generated">
-              <a:extLst>
-                <a:ext uri="{FF2B5EF4-FFF2-40B4-BE49-F238E27FC236}">
-                  <a16:creationId xmlns:a16="http://schemas.microsoft.com/office/drawing/2014/main" id="{B1573B75-685F-18F6-DA06-7C7FE4FAC1B3}"/>
-                </a:ext>
-              </a:extLst>
-            </p:cNvPr>
-            <p:cNvPicPr>
-              <a:picLocks noChangeAspect="1"/>
-            </p:cNvPicPr>
-            <p:nvPr/>
-          </p:nvPicPr>
-          <p:blipFill>
-            <a:blip r:embed="rId3">
-              <a:extLst>
-                <a:ext uri="{28A0092B-C50C-407E-A947-70E740481C1C}">
-                  <a14:useLocalDpi xmlns:a14="http://schemas.microsoft.com/office/drawing/2010/main" val="0"/>
-                </a:ext>
-              </a:extLst>
-            </a:blip>
-            <a:stretch>
-              <a:fillRect/>
-            </a:stretch>
-          </p:blipFill>
-          <p:spPr>
-            <a:xfrm>
-              <a:off x="8959851" y="5385560"/>
-              <a:ext cx="1250947" cy="1250947"/>
-            </a:xfrm>
-            <a:prstGeom prst="rect">
-              <a:avLst/>
-            </a:prstGeom>
-          </p:spPr>
-        </p:pic>
-        <p:sp>
-          <p:nvSpPr>
-            <p:cNvPr id="10" name="TextBox 9">
-              <a:extLst>
-                <a:ext uri="{FF2B5EF4-FFF2-40B4-BE49-F238E27FC236}">
-                  <a16:creationId xmlns:a16="http://schemas.microsoft.com/office/drawing/2014/main" id="{82463922-2029-7F3F-7190-5C074C5E96B9}"/>
-                </a:ext>
-              </a:extLst>
-            </p:cNvPr>
-            <p:cNvSpPr txBox="1"/>
-            <p:nvPr/>
-          </p:nvSpPr>
-          <p:spPr>
-            <a:xfrm>
-              <a:off x="8966201" y="94493"/>
-              <a:ext cx="3200398" cy="369332"/>
-            </a:xfrm>
-            <a:prstGeom prst="rect">
-              <a:avLst/>
-            </a:prstGeom>
-            <a:noFill/>
-            <a:ln>
-              <a:solidFill>
-                <a:schemeClr val="tx1"/>
-              </a:solidFill>
-            </a:ln>
-          </p:spPr>
-          <p:txBody>
-            <a:bodyPr wrap="square" rtlCol="0">
-              <a:spAutoFit/>
-            </a:bodyPr>
-            <a:lstStyle/>
-            <a:p>
-              <a:pPr algn="ctr"/>
-              <a:r>
-                <a:rPr lang="en-US" b="1" dirty="0"/>
-                <a:t>Temperature Testing Stand</a:t>
-              </a:r>
-            </a:p>
-          </p:txBody>
-        </p:sp>
-        <p:sp>
-          <p:nvSpPr>
-            <p:cNvPr id="11" name="TextBox 10">
-              <a:extLst>
-                <a:ext uri="{FF2B5EF4-FFF2-40B4-BE49-F238E27FC236}">
-                  <a16:creationId xmlns:a16="http://schemas.microsoft.com/office/drawing/2014/main" id="{B8F4AFF6-6963-0E42-E978-84EBAA379CE8}"/>
-                </a:ext>
-              </a:extLst>
-            </p:cNvPr>
-            <p:cNvSpPr txBox="1"/>
-            <p:nvPr/>
-          </p:nvSpPr>
-          <p:spPr>
-            <a:xfrm>
-              <a:off x="8832850" y="6604985"/>
-              <a:ext cx="3463257" cy="215444"/>
-            </a:xfrm>
-            <a:prstGeom prst="rect">
-              <a:avLst/>
-            </a:prstGeom>
-            <a:noFill/>
-            <a:ln>
-              <a:noFill/>
-            </a:ln>
-          </p:spPr>
-          <p:txBody>
-            <a:bodyPr wrap="square" rtlCol="0">
-              <a:spAutoFit/>
-            </a:bodyPr>
-            <a:lstStyle/>
-            <a:p>
-              <a:pPr algn="ctr"/>
-              <a:r>
-                <a:rPr lang="en-US" sz="800" dirty="0"/>
-                <a:t>https://github.com/barajasalfredo13/ModuTherm-Wafer-Test-System</a:t>
-              </a:r>
-            </a:p>
-          </p:txBody>
-        </p:sp>
-        <p:cxnSp>
-          <p:nvCxnSpPr>
-            <p:cNvPr id="13" name="Straight Connector 12">
-              <a:extLst>
-                <a:ext uri="{FF2B5EF4-FFF2-40B4-BE49-F238E27FC236}">
-                  <a16:creationId xmlns:a16="http://schemas.microsoft.com/office/drawing/2014/main" id="{4AF4C4B9-A13E-67C7-8C1E-EA616D596551}"/>
-                </a:ext>
-              </a:extLst>
-            </p:cNvPr>
-            <p:cNvCxnSpPr>
-              <a:cxnSpLocks/>
-            </p:cNvCxnSpPr>
-            <p:nvPr/>
-          </p:nvCxnSpPr>
-          <p:spPr>
-            <a:xfrm flipV="1">
-              <a:off x="8712200" y="94493"/>
-              <a:ext cx="0" cy="6642857"/>
-            </a:xfrm>
-            <a:prstGeom prst="line">
-              <a:avLst/>
-            </a:prstGeom>
-          </p:spPr>
-          <p:style>
-            <a:lnRef idx="1">
-              <a:schemeClr val="dk1"/>
-            </a:lnRef>
-            <a:fillRef idx="0">
-              <a:schemeClr val="dk1"/>
-            </a:fillRef>
-            <a:effectRef idx="0">
-              <a:schemeClr val="dk1"/>
-            </a:effectRef>
-            <a:fontRef idx="minor">
-              <a:schemeClr val="tx1"/>
-            </a:fontRef>
-          </p:style>
-        </p:cxnSp>
-      </p:grpSp>
-      <p:sp>
-        <p:nvSpPr>
-          <p:cNvPr id="15" name="TextBox 14">
-            <a:extLst>
-              <a:ext uri="{FF2B5EF4-FFF2-40B4-BE49-F238E27FC236}">
-                <a16:creationId xmlns:a16="http://schemas.microsoft.com/office/drawing/2014/main" id="{23940311-9CFA-7439-1E39-9668F7892B15}"/>
+            <a:off x="8876553" y="425725"/>
+            <a:ext cx="3093196" cy="5707756"/>
+          </a:xfrm>
+          <a:prstGeom prst="rect">
+            <a:avLst/>
+          </a:prstGeom>
+        </p:spPr>
+      </p:pic>
+      <p:sp>
+        <p:nvSpPr>
+          <p:cNvPr id="10" name="TextBox 9">
+            <a:extLst>
+              <a:ext uri="{FF2B5EF4-FFF2-40B4-BE49-F238E27FC236}">
+                <a16:creationId xmlns:a16="http://schemas.microsoft.com/office/drawing/2014/main" id="{82463922-2029-7F3F-7190-5C074C5E96B9}"/>
               </a:ext>
             </a:extLst>
           </p:cNvPr>
@@ -4571,8 +4396,49 @@
         </p:nvSpPr>
         <p:spPr>
           <a:xfrm>
-            <a:off x="130176" y="55636"/>
-            <a:ext cx="8515349" cy="1754326"/>
+            <a:off x="8769351" y="94493"/>
+            <a:ext cx="3200398" cy="369332"/>
+          </a:xfrm>
+          <a:prstGeom prst="rect">
+            <a:avLst/>
+          </a:prstGeom>
+          <a:noFill/>
+          <a:ln>
+            <a:solidFill>
+              <a:schemeClr val="tx1"/>
+            </a:solidFill>
+          </a:ln>
+        </p:spPr>
+        <p:txBody>
+          <a:bodyPr wrap="square" rtlCol="0">
+            <a:spAutoFit/>
+          </a:bodyPr>
+          <a:lstStyle/>
+          <a:p>
+            <a:pPr algn="ctr"/>
+            <a:r>
+              <a:rPr lang="en-US" b="1" dirty="0"/>
+              <a:t>Temperature Testing Stand</a:t>
+            </a:r>
+          </a:p>
+        </p:txBody>
+      </p:sp>
+      <p:sp>
+        <p:nvSpPr>
+          <p:cNvPr id="11" name="TextBox 10">
+            <a:extLst>
+              <a:ext uri="{FF2B5EF4-FFF2-40B4-BE49-F238E27FC236}">
+                <a16:creationId xmlns:a16="http://schemas.microsoft.com/office/drawing/2014/main" id="{B8F4AFF6-6963-0E42-E978-84EBAA379CE8}"/>
+              </a:ext>
+            </a:extLst>
+          </p:cNvPr>
+          <p:cNvSpPr txBox="1"/>
+          <p:nvPr/>
+        </p:nvSpPr>
+        <p:spPr>
+          <a:xfrm>
+            <a:off x="8636000" y="6604985"/>
+            <a:ext cx="3463257" cy="215444"/>
           </a:xfrm>
           <a:prstGeom prst="rect">
             <a:avLst/>
@@ -4590,6 +4456,83 @@
           <a:p>
             <a:pPr algn="ctr"/>
             <a:r>
+              <a:rPr lang="en-US" sz="800" dirty="0"/>
+              <a:t>https://github.com/barajasalfredo13/Wafer-Temperature-Test-Stand</a:t>
+            </a:r>
+          </a:p>
+        </p:txBody>
+      </p:sp>
+      <p:cxnSp>
+        <p:nvCxnSpPr>
+          <p:cNvPr id="13" name="Straight Connector 12">
+            <a:extLst>
+              <a:ext uri="{FF2B5EF4-FFF2-40B4-BE49-F238E27FC236}">
+                <a16:creationId xmlns:a16="http://schemas.microsoft.com/office/drawing/2014/main" id="{4AF4C4B9-A13E-67C7-8C1E-EA616D596551}"/>
+              </a:ext>
+            </a:extLst>
+          </p:cNvPr>
+          <p:cNvCxnSpPr>
+            <a:cxnSpLocks/>
+          </p:cNvCxnSpPr>
+          <p:nvPr/>
+        </p:nvCxnSpPr>
+        <p:spPr>
+          <a:xfrm flipV="1">
+            <a:off x="8515350" y="94493"/>
+            <a:ext cx="0" cy="6642857"/>
+          </a:xfrm>
+          <a:prstGeom prst="line">
+            <a:avLst/>
+          </a:prstGeom>
+        </p:spPr>
+        <p:style>
+          <a:lnRef idx="1">
+            <a:schemeClr val="dk1"/>
+          </a:lnRef>
+          <a:fillRef idx="0">
+            <a:schemeClr val="dk1"/>
+          </a:fillRef>
+          <a:effectRef idx="0">
+            <a:schemeClr val="dk1"/>
+          </a:effectRef>
+          <a:fontRef idx="minor">
+            <a:schemeClr val="tx1"/>
+          </a:fontRef>
+        </p:style>
+      </p:cxnSp>
+      <p:sp>
+        <p:nvSpPr>
+          <p:cNvPr id="15" name="TextBox 14">
+            <a:extLst>
+              <a:ext uri="{FF2B5EF4-FFF2-40B4-BE49-F238E27FC236}">
+                <a16:creationId xmlns:a16="http://schemas.microsoft.com/office/drawing/2014/main" id="{23940311-9CFA-7439-1E39-9668F7892B15}"/>
+              </a:ext>
+            </a:extLst>
+          </p:cNvPr>
+          <p:cNvSpPr txBox="1"/>
+          <p:nvPr/>
+        </p:nvSpPr>
+        <p:spPr>
+          <a:xfrm>
+            <a:off x="130176" y="55636"/>
+            <a:ext cx="8515349" cy="1754326"/>
+          </a:xfrm>
+          <a:prstGeom prst="rect">
+            <a:avLst/>
+          </a:prstGeom>
+          <a:noFill/>
+          <a:ln>
+            <a:noFill/>
+          </a:ln>
+        </p:spPr>
+        <p:txBody>
+          <a:bodyPr wrap="square" rtlCol="0">
+            <a:spAutoFit/>
+          </a:bodyPr>
+          <a:lstStyle/>
+          <a:p>
+            <a:pPr algn="ctr"/>
+            <a:r>
               <a:rPr lang="en-US" sz="3600" b="1" dirty="0"/>
               <a:t>Design for Amorphous Selenium shadow masks used in experimental work for VUV </a:t>
             </a:r>
@@ -4616,7 +4559,7 @@
           <p:nvPr/>
         </p:nvPicPr>
         <p:blipFill>
-          <a:blip r:embed="rId4"/>
+          <a:blip r:embed="rId3"/>
           <a:srcRect l="3123" t="4072" r="4058" b="6123"/>
           <a:stretch/>
         </p:blipFill>
@@ -4624,6 +4567,42 @@
           <a:xfrm>
             <a:off x="1951253" y="1802755"/>
             <a:ext cx="4873194" cy="4809438"/>
+          </a:xfrm>
+          <a:prstGeom prst="rect">
+            <a:avLst/>
+          </a:prstGeom>
+        </p:spPr>
+      </p:pic>
+      <p:pic>
+        <p:nvPicPr>
+          <p:cNvPr id="3" name="Picture 2" descr="A qr code with black squares and circles&#10;&#10;Description automatically generated">
+            <a:extLst>
+              <a:ext uri="{FF2B5EF4-FFF2-40B4-BE49-F238E27FC236}">
+                <a16:creationId xmlns:a16="http://schemas.microsoft.com/office/drawing/2014/main" id="{1D64517A-ABE6-B031-96C2-8692C5F883E1}"/>
+              </a:ext>
+            </a:extLst>
+          </p:cNvPr>
+          <p:cNvPicPr>
+            <a:picLocks noChangeAspect="1"/>
+          </p:cNvPicPr>
+          <p:nvPr/>
+        </p:nvPicPr>
+        <p:blipFill>
+          <a:blip r:embed="rId4">
+            <a:extLst>
+              <a:ext uri="{28A0092B-C50C-407E-A947-70E740481C1C}">
+                <a14:useLocalDpi xmlns:a14="http://schemas.microsoft.com/office/drawing/2010/main" val="0"/>
+              </a:ext>
+            </a:extLst>
+          </a:blip>
+          <a:stretch>
+            <a:fillRect/>
+          </a:stretch>
+        </p:blipFill>
+        <p:spPr>
+          <a:xfrm>
+            <a:off x="8790193" y="5366290"/>
+            <a:ext cx="1268206" cy="1268206"/>
           </a:xfrm>
           <a:prstGeom prst="rect">
             <a:avLst/>

--- a/z.ReadMeAssets/ASeGrapheneDetector.pptx
+++ b/z.ReadMeAssets/ASeGrapheneDetector.pptx
@@ -4457,7 +4457,7 @@
             <a:pPr algn="ctr"/>
             <a:r>
               <a:rPr lang="en-US" sz="800" dirty="0"/>
-              <a:t>https://github.com/barajasalfredo13/Wafer-Temperature-Test-Stand</a:t>
+              <a:t>https://github.com/barajasalfredo13/ModuTherm-Wafer-Test-System</a:t>
             </a:r>
           </a:p>
         </p:txBody>
@@ -4575,10 +4575,10 @@
       </p:pic>
       <p:pic>
         <p:nvPicPr>
-          <p:cNvPr id="3" name="Picture 2" descr="A qr code with black squares and circles&#10;&#10;Description automatically generated">
-            <a:extLst>
-              <a:ext uri="{FF2B5EF4-FFF2-40B4-BE49-F238E27FC236}">
-                <a16:creationId xmlns:a16="http://schemas.microsoft.com/office/drawing/2014/main" id="{1D64517A-ABE6-B031-96C2-8692C5F883E1}"/>
+          <p:cNvPr id="4" name="Picture 3" descr="A qr code with dots and circles&#10;&#10;Description automatically generated">
+            <a:extLst>
+              <a:ext uri="{FF2B5EF4-FFF2-40B4-BE49-F238E27FC236}">
+                <a16:creationId xmlns:a16="http://schemas.microsoft.com/office/drawing/2014/main" id="{60C3DC7B-B7A6-DD9D-16D8-93A0DDE15318}"/>
               </a:ext>
             </a:extLst>
           </p:cNvPr>
@@ -4601,8 +4601,8 @@
         </p:blipFill>
         <p:spPr>
           <a:xfrm>
-            <a:off x="8790193" y="5366290"/>
-            <a:ext cx="1268206" cy="1268206"/>
+            <a:off x="8819403" y="5443301"/>
+            <a:ext cx="1214693" cy="1214693"/>
           </a:xfrm>
           <a:prstGeom prst="rect">
             <a:avLst/>
